--- a/ProGit.pptx
+++ b/ProGit.pptx
@@ -5,7 +5,7 @@
     <p:sldMasterId id="2147483648" r:id="rId1"/>
   </p:sldMasterIdLst>
   <p:notesMasterIdLst>
-    <p:notesMasterId r:id="rId18"/>
+    <p:notesMasterId r:id="rId31"/>
   </p:notesMasterIdLst>
   <p:sldIdLst>
     <p:sldId id="256" r:id="rId2"/>
@@ -24,6 +24,19 @@
     <p:sldId id="270" r:id="rId15"/>
     <p:sldId id="271" r:id="rId16"/>
     <p:sldId id="272" r:id="rId17"/>
+    <p:sldId id="273" r:id="rId18"/>
+    <p:sldId id="274" r:id="rId19"/>
+    <p:sldId id="280" r:id="rId20"/>
+    <p:sldId id="275" r:id="rId21"/>
+    <p:sldId id="276" r:id="rId22"/>
+    <p:sldId id="277" r:id="rId23"/>
+    <p:sldId id="278" r:id="rId24"/>
+    <p:sldId id="279" r:id="rId25"/>
+    <p:sldId id="282" r:id="rId26"/>
+    <p:sldId id="283" r:id="rId27"/>
+    <p:sldId id="284" r:id="rId28"/>
+    <p:sldId id="285" r:id="rId29"/>
+    <p:sldId id="281" r:id="rId30"/>
   </p:sldIdLst>
   <p:sldSz cx="9144000" cy="6858000" type="screen4x3"/>
   <p:notesSz cx="6858000" cy="9144000"/>
@@ -208,7 +221,7 @@
             <a:fld id="{A5F98EB4-2307-40F8-908F-1DA44DD63F38}" type="datetimeFigureOut">
               <a:rPr lang="zh-CN" altLang="en-US" smtClean="0"/>
               <a:pPr/>
-              <a:t>2014/12/5</a:t>
+              <a:t>2014/12/15</a:t>
             </a:fld>
             <a:endParaRPr lang="zh-CN" altLang="en-US"/>
           </a:p>
@@ -738,7 +751,7 @@
             <a:fld id="{530820CF-B880-4189-942D-D702A7CBA730}" type="datetimeFigureOut">
               <a:rPr lang="zh-CN" altLang="en-US" smtClean="0"/>
               <a:pPr/>
-              <a:t>2014/12/5</a:t>
+              <a:t>2014/12/15</a:t>
             </a:fld>
             <a:endParaRPr lang="zh-CN" altLang="en-US"/>
           </a:p>
@@ -905,7 +918,7 @@
             <a:fld id="{530820CF-B880-4189-942D-D702A7CBA730}" type="datetimeFigureOut">
               <a:rPr lang="zh-CN" altLang="en-US" smtClean="0"/>
               <a:pPr/>
-              <a:t>2014/12/5</a:t>
+              <a:t>2014/12/15</a:t>
             </a:fld>
             <a:endParaRPr lang="zh-CN" altLang="en-US"/>
           </a:p>
@@ -1082,7 +1095,7 @@
             <a:fld id="{530820CF-B880-4189-942D-D702A7CBA730}" type="datetimeFigureOut">
               <a:rPr lang="zh-CN" altLang="en-US" smtClean="0"/>
               <a:pPr/>
-              <a:t>2014/12/5</a:t>
+              <a:t>2014/12/15</a:t>
             </a:fld>
             <a:endParaRPr lang="zh-CN" altLang="en-US"/>
           </a:p>
@@ -1249,7 +1262,7 @@
             <a:fld id="{530820CF-B880-4189-942D-D702A7CBA730}" type="datetimeFigureOut">
               <a:rPr lang="zh-CN" altLang="en-US" smtClean="0"/>
               <a:pPr/>
-              <a:t>2014/12/5</a:t>
+              <a:t>2014/12/15</a:t>
             </a:fld>
             <a:endParaRPr lang="zh-CN" altLang="en-US"/>
           </a:p>
@@ -1492,7 +1505,7 @@
             <a:fld id="{530820CF-B880-4189-942D-D702A7CBA730}" type="datetimeFigureOut">
               <a:rPr lang="zh-CN" altLang="en-US" smtClean="0"/>
               <a:pPr/>
-              <a:t>2014/12/5</a:t>
+              <a:t>2014/12/15</a:t>
             </a:fld>
             <a:endParaRPr lang="zh-CN" altLang="en-US"/>
           </a:p>
@@ -1777,7 +1790,7 @@
             <a:fld id="{530820CF-B880-4189-942D-D702A7CBA730}" type="datetimeFigureOut">
               <a:rPr lang="zh-CN" altLang="en-US" smtClean="0"/>
               <a:pPr/>
-              <a:t>2014/12/5</a:t>
+              <a:t>2014/12/15</a:t>
             </a:fld>
             <a:endParaRPr lang="zh-CN" altLang="en-US"/>
           </a:p>
@@ -2196,7 +2209,7 @@
             <a:fld id="{530820CF-B880-4189-942D-D702A7CBA730}" type="datetimeFigureOut">
               <a:rPr lang="zh-CN" altLang="en-US" smtClean="0"/>
               <a:pPr/>
-              <a:t>2014/12/5</a:t>
+              <a:t>2014/12/15</a:t>
             </a:fld>
             <a:endParaRPr lang="zh-CN" altLang="en-US"/>
           </a:p>
@@ -2311,7 +2324,7 @@
             <a:fld id="{530820CF-B880-4189-942D-D702A7CBA730}" type="datetimeFigureOut">
               <a:rPr lang="zh-CN" altLang="en-US" smtClean="0"/>
               <a:pPr/>
-              <a:t>2014/12/5</a:t>
+              <a:t>2014/12/15</a:t>
             </a:fld>
             <a:endParaRPr lang="zh-CN" altLang="en-US"/>
           </a:p>
@@ -2403,7 +2416,7 @@
             <a:fld id="{530820CF-B880-4189-942D-D702A7CBA730}" type="datetimeFigureOut">
               <a:rPr lang="zh-CN" altLang="en-US" smtClean="0"/>
               <a:pPr/>
-              <a:t>2014/12/5</a:t>
+              <a:t>2014/12/15</a:t>
             </a:fld>
             <a:endParaRPr lang="zh-CN" altLang="en-US"/>
           </a:p>
@@ -2677,7 +2690,7 @@
             <a:fld id="{530820CF-B880-4189-942D-D702A7CBA730}" type="datetimeFigureOut">
               <a:rPr lang="zh-CN" altLang="en-US" smtClean="0"/>
               <a:pPr/>
-              <a:t>2014/12/5</a:t>
+              <a:t>2014/12/15</a:t>
             </a:fld>
             <a:endParaRPr lang="zh-CN" altLang="en-US"/>
           </a:p>
@@ -2927,7 +2940,7 @@
             <a:fld id="{530820CF-B880-4189-942D-D702A7CBA730}" type="datetimeFigureOut">
               <a:rPr lang="zh-CN" altLang="en-US" smtClean="0"/>
               <a:pPr/>
-              <a:t>2014/12/5</a:t>
+              <a:t>2014/12/15</a:t>
             </a:fld>
             <a:endParaRPr lang="zh-CN" altLang="en-US"/>
           </a:p>
@@ -3146,7 +3159,7 @@
             <a:fld id="{530820CF-B880-4189-942D-D702A7CBA730}" type="datetimeFigureOut">
               <a:rPr lang="zh-CN" altLang="en-US" smtClean="0"/>
               <a:pPr/>
-              <a:t>2014/12/5</a:t>
+              <a:t>2014/12/15</a:t>
             </a:fld>
             <a:endParaRPr lang="zh-CN" altLang="en-US"/>
           </a:p>
@@ -3583,7 +3596,7 @@
           <a:p>
             <a:r>
               <a:rPr lang="en-US" altLang="zh-CN" dirty="0" smtClean="0"/>
-              <a:t>                       2014.12.4</a:t>
+              <a:t>                       2014.12.5</a:t>
             </a:r>
             <a:r>
               <a:rPr lang="zh-CN" altLang="en-US" dirty="0" smtClean="0"/>
@@ -4827,7 +4840,23 @@
                   <a:schemeClr val="accent1"/>
                 </a:solidFill>
               </a:rPr>
-              <a:t>*.[ab] 	 	#</a:t>
+              <a:t>*.[</a:t>
+            </a:r>
+            <a:r>
+              <a:rPr lang="en-US" altLang="zh-CN" sz="1600" dirty="0" err="1" smtClean="0">
+                <a:solidFill>
+                  <a:schemeClr val="accent1"/>
+                </a:solidFill>
+              </a:rPr>
+              <a:t>ab</a:t>
+            </a:r>
+            <a:r>
+              <a:rPr lang="en-US" altLang="zh-CN" sz="1600" dirty="0" smtClean="0">
+                <a:solidFill>
+                  <a:schemeClr val="accent1"/>
+                </a:solidFill>
+              </a:rPr>
+              <a:t>] 	 	#</a:t>
             </a:r>
             <a:r>
               <a:rPr lang="zh-CN" altLang="en-US" sz="1600" dirty="0" smtClean="0">
@@ -4882,7 +4911,23 @@
                   <a:schemeClr val="accent1"/>
                 </a:solidFill>
               </a:rPr>
-              <a:t>!n.a 	 	#</a:t>
+              <a:t>!</a:t>
+            </a:r>
+            <a:r>
+              <a:rPr lang="en-US" altLang="zh-CN" sz="1600" dirty="0" err="1" smtClean="0">
+                <a:solidFill>
+                  <a:schemeClr val="accent1"/>
+                </a:solidFill>
+              </a:rPr>
+              <a:t>n.a</a:t>
+            </a:r>
+            <a:r>
+              <a:rPr lang="en-US" altLang="zh-CN" sz="1600" dirty="0" smtClean="0">
+                <a:solidFill>
+                  <a:schemeClr val="accent1"/>
+                </a:solidFill>
+              </a:rPr>
+              <a:t> 	 	#</a:t>
             </a:r>
             <a:r>
               <a:rPr lang="zh-CN" altLang="en-US" sz="1600" dirty="0" smtClean="0">
@@ -4893,35 +4938,43 @@
               <a:t>不要忽略</a:t>
             </a:r>
             <a:r>
+              <a:rPr lang="en-US" altLang="zh-CN" sz="1600" dirty="0" err="1" smtClean="0">
+                <a:solidFill>
+                  <a:schemeClr val="accent1"/>
+                </a:solidFill>
+              </a:rPr>
+              <a:t>n.a</a:t>
+            </a:r>
+            <a:r>
+              <a:rPr lang="zh-CN" altLang="en-US" sz="1600" dirty="0" smtClean="0">
+                <a:solidFill>
+                  <a:schemeClr val="accent1"/>
+                </a:solidFill>
+              </a:rPr>
+              <a:t>文件</a:t>
+            </a:r>
+            <a:endParaRPr lang="en-US" altLang="zh-CN" sz="1600" dirty="0" smtClean="0">
+              <a:solidFill>
+                <a:schemeClr val="accent1"/>
+              </a:solidFill>
+            </a:endParaRPr>
+          </a:p>
+          <a:p>
+            <a:r>
+              <a:rPr lang="en-US" altLang="zh-CN" sz="1600" dirty="0" err="1" smtClean="0">
+                <a:solidFill>
+                  <a:schemeClr val="accent1"/>
+                </a:solidFill>
+              </a:rPr>
+              <a:t>nn.a</a:t>
+            </a:r>
+            <a:r>
               <a:rPr lang="en-US" altLang="zh-CN" sz="1600" dirty="0" smtClean="0">
                 <a:solidFill>
                   <a:schemeClr val="accent1"/>
                 </a:solidFill>
               </a:rPr>
-              <a:t>n.a</a:t>
-            </a:r>
-            <a:r>
-              <a:rPr lang="zh-CN" altLang="en-US" sz="1600" dirty="0" smtClean="0">
-                <a:solidFill>
-                  <a:schemeClr val="accent1"/>
-                </a:solidFill>
-              </a:rPr>
-              <a:t>文件</a:t>
-            </a:r>
-            <a:endParaRPr lang="en-US" altLang="zh-CN" sz="1600" dirty="0" smtClean="0">
-              <a:solidFill>
-                <a:schemeClr val="accent1"/>
-              </a:solidFill>
-            </a:endParaRPr>
-          </a:p>
-          <a:p>
-            <a:r>
-              <a:rPr lang="en-US" altLang="zh-CN" sz="1600" dirty="0" smtClean="0">
-                <a:solidFill>
-                  <a:schemeClr val="accent1"/>
-                </a:solidFill>
-              </a:rPr>
-              <a:t>nn.a		#</a:t>
+              <a:t>		#</a:t>
             </a:r>
             <a:r>
               <a:rPr lang="zh-CN" altLang="en-US" sz="1600" dirty="0" smtClean="0">
@@ -5128,7 +5181,7 @@
                   <a:schemeClr val="accent1"/>
                 </a:solidFill>
               </a:rPr>
-              <a:t>.gitignore</a:t>
+              <a:t>                 .gitignore</a:t>
             </a:r>
             <a:r>
               <a:rPr lang="zh-CN" altLang="en-US" sz="1600" dirty="0" smtClean="0">
@@ -5826,6 +5879,40 @@
           </a:p>
           <a:p>
             <a:r>
+              <a:rPr lang="en-US" altLang="zh-CN" sz="1800" b="1" dirty="0" smtClean="0">
+                <a:solidFill>
+                  <a:schemeClr val="accent2"/>
+                </a:solidFill>
+              </a:rPr>
+              <a:t>$ git commit --allow-empty    </a:t>
+            </a:r>
+            <a:r>
+              <a:rPr lang="en-US" altLang="zh-CN" sz="1800" dirty="0" smtClean="0">
+                <a:solidFill>
+                  <a:schemeClr val="accent1"/>
+                </a:solidFill>
+              </a:rPr>
+              <a:t>: </a:t>
+            </a:r>
+            <a:r>
+              <a:rPr lang="zh-CN" altLang="en-US" sz="1800" dirty="0" smtClean="0">
+                <a:solidFill>
+                  <a:schemeClr val="accent1"/>
+                </a:solidFill>
+              </a:rPr>
+              <a:t>允许新的提交与父提交指向相同的</a:t>
+            </a:r>
+            <a:r>
+              <a:rPr lang="en-US" altLang="zh-CN" sz="1800" dirty="0" smtClean="0">
+                <a:solidFill>
+                  <a:schemeClr val="accent1"/>
+                </a:solidFill>
+              </a:rPr>
+              <a:t>tree</a:t>
+            </a:r>
+          </a:p>
+          <a:p>
+            <a:r>
               <a:rPr lang="zh-CN" altLang="en-US" sz="1800" dirty="0" smtClean="0">
                 <a:solidFill>
                   <a:schemeClr val="accent1"/>
@@ -6056,7 +6143,15 @@
                   <a:schemeClr val="accent2"/>
                 </a:solidFill>
               </a:rPr>
-              <a:t>--pretty=oneline | short </a:t>
+              <a:t>--pretty=oneline | short | raw| </a:t>
+            </a:r>
+            <a:r>
+              <a:rPr lang="en-US" altLang="zh-CN" sz="1400" b="1" dirty="0" err="1" smtClean="0">
+                <a:solidFill>
+                  <a:schemeClr val="accent2"/>
+                </a:solidFill>
+              </a:rPr>
+              <a:t>format:'%Cred%h%Creset</a:t>
             </a:r>
             <a:r>
               <a:rPr lang="en-US" altLang="zh-CN" sz="1400" b="1" dirty="0" smtClean="0">
@@ -6064,7 +6159,7 @@
                   <a:schemeClr val="accent2"/>
                 </a:solidFill>
               </a:rPr>
-              <a:t>| raw| </a:t>
+              <a:t> -%C(yellow)%</a:t>
             </a:r>
             <a:r>
               <a:rPr lang="en-US" altLang="zh-CN" sz="1400" b="1" dirty="0" err="1" smtClean="0">
@@ -6072,7 +6167,7 @@
                   <a:schemeClr val="accent2"/>
                 </a:solidFill>
               </a:rPr>
-              <a:t>format:'%Cred%h%Creset</a:t>
+              <a:t>d%Creset</a:t>
             </a:r>
             <a:r>
               <a:rPr lang="en-US" altLang="zh-CN" sz="1400" b="1" dirty="0" smtClean="0">
@@ -6080,7 +6175,7 @@
                   <a:schemeClr val="accent2"/>
                 </a:solidFill>
               </a:rPr>
-              <a:t> -%C(yellow)%</a:t>
+              <a:t> %s %</a:t>
             </a:r>
             <a:r>
               <a:rPr lang="en-US" altLang="zh-CN" sz="1400" b="1" dirty="0" err="1" smtClean="0">
@@ -6088,7 +6183,7 @@
                   <a:schemeClr val="accent2"/>
                 </a:solidFill>
               </a:rPr>
-              <a:t>d%Creset</a:t>
+              <a:t>Cgreen</a:t>
             </a:r>
             <a:r>
               <a:rPr lang="en-US" altLang="zh-CN" sz="1400" b="1" dirty="0" smtClean="0">
@@ -6096,7 +6191,7 @@
                   <a:schemeClr val="accent2"/>
                 </a:solidFill>
               </a:rPr>
-              <a:t> %s %</a:t>
+              <a:t>(%</a:t>
             </a:r>
             <a:r>
               <a:rPr lang="en-US" altLang="zh-CN" sz="1400" b="1" dirty="0" err="1" smtClean="0">
@@ -6104,7 +6199,7 @@
                   <a:schemeClr val="accent2"/>
                 </a:solidFill>
               </a:rPr>
-              <a:t>Cgreen</a:t>
+              <a:t>cr</a:t>
             </a:r>
             <a:r>
               <a:rPr lang="en-US" altLang="zh-CN" sz="1400" b="1" dirty="0" smtClean="0">
@@ -6112,7 +6207,7 @@
                   <a:schemeClr val="accent2"/>
                 </a:solidFill>
               </a:rPr>
-              <a:t>(%</a:t>
+              <a:t>) %C(bold blue)&lt;%an&gt;%</a:t>
             </a:r>
             <a:r>
               <a:rPr lang="en-US" altLang="zh-CN" sz="1400" b="1" dirty="0" err="1" smtClean="0">
@@ -6120,7 +6215,7 @@
                   <a:schemeClr val="accent2"/>
                 </a:solidFill>
               </a:rPr>
-              <a:t>cr</a:t>
+              <a:t>Creset</a:t>
             </a:r>
             <a:r>
               <a:rPr lang="en-US" altLang="zh-CN" sz="1400" b="1" dirty="0" smtClean="0">
@@ -6128,29 +6223,19 @@
                   <a:schemeClr val="accent2"/>
                 </a:solidFill>
               </a:rPr>
-              <a:t>) %C(bold blue)&lt;%an&gt;%</a:t>
-            </a:r>
-            <a:r>
-              <a:rPr lang="en-US" altLang="zh-CN" sz="1400" b="1" dirty="0" err="1" smtClean="0">
-                <a:solidFill>
-                  <a:schemeClr val="accent2"/>
-                </a:solidFill>
-              </a:rPr>
-              <a:t>Creset</a:t>
-            </a:r>
+              <a:t>'</a:t>
+            </a:r>
+          </a:p>
+          <a:p>
+            <a:pPr lvl="1"/>
             <a:r>
               <a:rPr lang="en-US" altLang="zh-CN" sz="1400" b="1" dirty="0" smtClean="0">
                 <a:solidFill>
                   <a:schemeClr val="accent2"/>
                 </a:solidFill>
               </a:rPr>
-              <a:t>'</a:t>
-            </a:r>
-            <a:endParaRPr lang="en-US" altLang="zh-CN" sz="1400" b="1" dirty="0" smtClean="0">
-              <a:solidFill>
-                <a:schemeClr val="accent2"/>
-              </a:solidFill>
-            </a:endParaRPr>
+              <a:t>--abbrev-commit</a:t>
+            </a:r>
           </a:p>
           <a:p>
             <a:pPr lvl="1"/>
@@ -6160,7 +6245,7 @@
                   <a:schemeClr val="accent2"/>
                 </a:solidFill>
               </a:rPr>
-              <a:t>--abbrev-commit</a:t>
+              <a:t>--graph</a:t>
             </a:r>
           </a:p>
           <a:p>
@@ -6171,7 +6256,7 @@
                   <a:schemeClr val="accent2"/>
                 </a:solidFill>
               </a:rPr>
-              <a:t>--graph</a:t>
+              <a:t>-p   |  --patch</a:t>
             </a:r>
           </a:p>
           <a:p>
@@ -6182,7 +6267,7 @@
                   <a:schemeClr val="accent2"/>
                 </a:solidFill>
               </a:rPr>
-              <a:t>--p</a:t>
+              <a:t>--stat</a:t>
             </a:r>
           </a:p>
           <a:p>
@@ -6193,7 +6278,7 @@
                   <a:schemeClr val="accent2"/>
                 </a:solidFill>
               </a:rPr>
-              <a:t>--stat</a:t>
+              <a:t>-&lt;number&gt;  |  -n &lt;number&gt;</a:t>
             </a:r>
           </a:p>
           <a:p>
@@ -6204,21 +6289,19 @@
                   <a:schemeClr val="accent2"/>
                 </a:solidFill>
               </a:rPr>
-              <a:t>-&lt;number&gt;  |  -n &lt;number</a:t>
-            </a:r>
+              <a:t>--since | --after  | --until | --before   &lt;date&gt;</a:t>
+            </a:r>
+          </a:p>
+          <a:p>
+            <a:pPr lvl="1"/>
             <a:r>
               <a:rPr lang="en-US" altLang="zh-CN" sz="1400" b="1" dirty="0" smtClean="0">
                 <a:solidFill>
                   <a:schemeClr val="accent2"/>
                 </a:solidFill>
               </a:rPr>
-              <a:t>&gt;</a:t>
-            </a:r>
-            <a:endParaRPr lang="en-US" altLang="zh-CN" sz="1400" b="1" dirty="0" smtClean="0">
-              <a:solidFill>
-                <a:schemeClr val="accent2"/>
-              </a:solidFill>
-            </a:endParaRPr>
+              <a:t>--author</a:t>
+            </a:r>
           </a:p>
           <a:p>
             <a:pPr lvl="1"/>
@@ -6228,7 +6311,7 @@
                   <a:schemeClr val="accent2"/>
                 </a:solidFill>
               </a:rPr>
-              <a:t>--since | --after  | --until | --before   &lt;date&gt;</a:t>
+              <a:t>--committer</a:t>
             </a:r>
           </a:p>
           <a:p>
@@ -6239,43 +6322,8 @@
                   <a:schemeClr val="accent2"/>
                 </a:solidFill>
               </a:rPr>
-              <a:t>--author</a:t>
-            </a:r>
-          </a:p>
-          <a:p>
-            <a:pPr lvl="1"/>
-            <a:r>
-              <a:rPr lang="en-US" altLang="zh-CN" sz="1400" b="1" dirty="0" smtClean="0">
-                <a:solidFill>
-                  <a:schemeClr val="accent2"/>
-                </a:solidFill>
-              </a:rPr>
-              <a:t>--committer</a:t>
-            </a:r>
-          </a:p>
-          <a:p>
-            <a:pPr lvl="1"/>
-            <a:r>
-              <a:rPr lang="en-US" altLang="zh-CN" sz="1400" b="1" dirty="0" smtClean="0">
-                <a:solidFill>
-                  <a:schemeClr val="accent2"/>
-                </a:solidFill>
-              </a:rPr>
-              <a:t>--grep=&lt;commit msg</a:t>
-            </a:r>
-            <a:r>
-              <a:rPr lang="en-US" altLang="zh-CN" sz="1400" b="1" dirty="0" smtClean="0">
-                <a:solidFill>
-                  <a:schemeClr val="accent2"/>
-                </a:solidFill>
-              </a:rPr>
-              <a:t>&gt;</a:t>
-            </a:r>
-            <a:endParaRPr lang="en-US" altLang="zh-CN" sz="1400" b="1" dirty="0" smtClean="0">
-              <a:solidFill>
-                <a:schemeClr val="accent2"/>
-              </a:solidFill>
-            </a:endParaRPr>
+              <a:t>--grep=&lt;commit msg&gt;</a:t>
+            </a:r>
           </a:p>
           <a:p>
             <a:pPr lvl="1"/>
@@ -6298,6 +6346,746 @@
               </a:rPr>
               <a:t>$ gitk</a:t>
             </a:r>
+          </a:p>
+        </p:txBody>
+      </p:sp>
+    </p:spTree>
+  </p:cSld>
+  <p:clrMapOvr>
+    <a:masterClrMapping/>
+  </p:clrMapOvr>
+</p:sld>
+</file>
+
+<file path=ppt/slides/slide17.xml><?xml version="1.0" encoding="utf-8"?>
+<p:sld xmlns:a="http://schemas.openxmlformats.org/drawingml/2006/main" xmlns:r="http://schemas.openxmlformats.org/officeDocument/2006/relationships" xmlns:p="http://schemas.openxmlformats.org/presentationml/2006/main">
+  <p:cSld>
+    <p:spTree>
+      <p:nvGrpSpPr>
+        <p:cNvPr id="1" name=""/>
+        <p:cNvGrpSpPr/>
+        <p:nvPr/>
+      </p:nvGrpSpPr>
+      <p:grpSpPr>
+        <a:xfrm>
+          <a:off x="0" y="0"/>
+          <a:ext cx="0" cy="0"/>
+          <a:chOff x="0" y="0"/>
+          <a:chExt cx="0" cy="0"/>
+        </a:xfrm>
+      </p:grpSpPr>
+      <p:sp>
+        <p:nvSpPr>
+          <p:cNvPr id="2" name="标题 1"/>
+          <p:cNvSpPr>
+            <a:spLocks noGrp="1"/>
+          </p:cNvSpPr>
+          <p:nvPr>
+            <p:ph type="title"/>
+          </p:nvPr>
+        </p:nvSpPr>
+        <p:spPr/>
+        <p:txBody>
+          <a:bodyPr>
+            <a:normAutofit/>
+          </a:bodyPr>
+          <a:lstStyle/>
+          <a:p>
+            <a:pPr algn="l"/>
+            <a:r>
+              <a:rPr lang="en-US" altLang="zh-CN" dirty="0" smtClean="0">
+                <a:solidFill>
+                  <a:schemeClr val="tx2">
+                    <a:lumMod val="75000"/>
+                  </a:schemeClr>
+                </a:solidFill>
+              </a:rPr>
+              <a:t>git basic commands - </a:t>
+            </a:r>
+            <a:r>
+              <a:rPr lang="en-US" altLang="zh-CN" b="1" dirty="0" smtClean="0">
+                <a:solidFill>
+                  <a:schemeClr val="accent2"/>
+                </a:solidFill>
+              </a:rPr>
+              <a:t>$ git branch</a:t>
+            </a:r>
+            <a:endParaRPr lang="zh-CN" altLang="en-US" dirty="0">
+              <a:solidFill>
+                <a:schemeClr val="tx2">
+                  <a:lumMod val="75000"/>
+                </a:schemeClr>
+              </a:solidFill>
+            </a:endParaRPr>
+          </a:p>
+        </p:txBody>
+      </p:sp>
+      <p:sp>
+        <p:nvSpPr>
+          <p:cNvPr id="3" name="内容占位符 2"/>
+          <p:cNvSpPr>
+            <a:spLocks noGrp="1"/>
+          </p:cNvSpPr>
+          <p:nvPr>
+            <p:ph idx="1"/>
+          </p:nvPr>
+        </p:nvSpPr>
+        <p:spPr/>
+        <p:txBody>
+          <a:bodyPr>
+            <a:normAutofit/>
+          </a:bodyPr>
+          <a:lstStyle/>
+          <a:p>
+            <a:r>
+              <a:rPr lang="en-US" altLang="zh-CN" sz="1800" b="1" dirty="0" smtClean="0">
+                <a:solidFill>
+                  <a:schemeClr val="accent2"/>
+                </a:solidFill>
+              </a:rPr>
+              <a:t>$ git branch</a:t>
+            </a:r>
+          </a:p>
+          <a:p>
+            <a:pPr lvl="1"/>
+            <a:r>
+              <a:rPr lang="en-US" altLang="zh-CN" sz="1400" b="1" dirty="0" smtClean="0">
+                <a:solidFill>
+                  <a:schemeClr val="accent2"/>
+                </a:solidFill>
+              </a:rPr>
+              <a:t>-l     |     --list</a:t>
+            </a:r>
+          </a:p>
+          <a:p>
+            <a:pPr lvl="1"/>
+            <a:r>
+              <a:rPr lang="en-US" altLang="zh-CN" sz="1400" b="1" dirty="0" smtClean="0">
+                <a:solidFill>
+                  <a:schemeClr val="accent2"/>
+                </a:solidFill>
+              </a:rPr>
+              <a:t>-a    |    --all</a:t>
+            </a:r>
+          </a:p>
+          <a:p>
+            <a:pPr lvl="1"/>
+            <a:r>
+              <a:rPr lang="en-US" altLang="zh-CN" sz="1400" b="1" dirty="0" smtClean="0">
+                <a:solidFill>
+                  <a:schemeClr val="accent2"/>
+                </a:solidFill>
+              </a:rPr>
+              <a:t>-v    |    --verbose</a:t>
+            </a:r>
+          </a:p>
+          <a:p>
+            <a:pPr lvl="1"/>
+            <a:r>
+              <a:rPr lang="en-US" altLang="zh-CN" sz="1400" b="1" dirty="0" smtClean="0">
+                <a:solidFill>
+                  <a:schemeClr val="accent2"/>
+                </a:solidFill>
+              </a:rPr>
+              <a:t>[branch-name]</a:t>
+            </a:r>
+          </a:p>
+          <a:p>
+            <a:pPr lvl="1"/>
+            <a:r>
+              <a:rPr lang="en-US" altLang="zh-CN" sz="1400" b="1" dirty="0" smtClean="0">
+                <a:solidFill>
+                  <a:schemeClr val="accent2"/>
+                </a:solidFill>
+              </a:rPr>
+              <a:t>-d    |   --delete</a:t>
+            </a:r>
+          </a:p>
+          <a:p>
+            <a:pPr lvl="1"/>
+            <a:r>
+              <a:rPr lang="en-US" altLang="zh-CN" sz="1400" b="1" dirty="0" smtClean="0">
+                <a:solidFill>
+                  <a:schemeClr val="accent2"/>
+                </a:solidFill>
+              </a:rPr>
+              <a:t>-D</a:t>
+            </a:r>
+          </a:p>
+          <a:p>
+            <a:pPr lvl="1"/>
+            <a:r>
+              <a:rPr lang="en-US" altLang="zh-CN" sz="1400" b="1" dirty="0" smtClean="0">
+                <a:solidFill>
+                  <a:schemeClr val="accent2"/>
+                </a:solidFill>
+              </a:rPr>
+              <a:t>-m    |   --move</a:t>
+            </a:r>
+          </a:p>
+          <a:p>
+            <a:pPr lvl="1"/>
+            <a:r>
+              <a:rPr lang="en-US" altLang="zh-CN" sz="1400" b="1" dirty="0" smtClean="0">
+                <a:solidFill>
+                  <a:schemeClr val="accent2"/>
+                </a:solidFill>
+              </a:rPr>
+              <a:t>-M</a:t>
+            </a:r>
+          </a:p>
+          <a:p>
+            <a:pPr lvl="1"/>
+            <a:r>
+              <a:rPr lang="en-US" altLang="zh-CN" sz="1400" b="1" dirty="0" smtClean="0">
+                <a:solidFill>
+                  <a:schemeClr val="accent2"/>
+                </a:solidFill>
+              </a:rPr>
+              <a:t>-f     |    --force</a:t>
+            </a:r>
+          </a:p>
+          <a:p>
+            <a:pPr lvl="1"/>
+            <a:r>
+              <a:rPr lang="en-US" altLang="zh-CN" sz="1400" b="1" dirty="0" smtClean="0">
+                <a:solidFill>
+                  <a:schemeClr val="accent2"/>
+                </a:solidFill>
+              </a:rPr>
+              <a:t>--merged</a:t>
+            </a:r>
+          </a:p>
+          <a:p>
+            <a:pPr lvl="1"/>
+            <a:r>
+              <a:rPr lang="en-US" altLang="zh-CN" sz="1400" b="1" dirty="0" smtClean="0">
+                <a:solidFill>
+                  <a:schemeClr val="accent2"/>
+                </a:solidFill>
+              </a:rPr>
+              <a:t>--no-merged</a:t>
+            </a:r>
+          </a:p>
+          <a:p>
+            <a:pPr lvl="1"/>
+            <a:r>
+              <a:rPr lang="en-US" altLang="zh-CN" sz="1400" b="1" dirty="0" smtClean="0">
+                <a:solidFill>
+                  <a:schemeClr val="accent2"/>
+                </a:solidFill>
+              </a:rPr>
+              <a:t>--track  [local-branch-name]   [remote-branch-name]</a:t>
+            </a:r>
+          </a:p>
+          <a:p>
+            <a:pPr marL="342900" lvl="1" indent="-342900">
+              <a:buNone/>
+            </a:pPr>
+            <a:endParaRPr lang="en-US" altLang="zh-CN" sz="1400" b="1" dirty="0" smtClean="0">
+              <a:solidFill>
+                <a:schemeClr val="accent2"/>
+              </a:solidFill>
+            </a:endParaRPr>
+          </a:p>
+          <a:p>
+            <a:pPr marL="342900" lvl="1" indent="-342900">
+              <a:buNone/>
+            </a:pPr>
+            <a:endParaRPr lang="en-US" altLang="zh-CN" sz="1800" b="1" dirty="0" smtClean="0">
+              <a:solidFill>
+                <a:schemeClr val="accent2"/>
+              </a:solidFill>
+            </a:endParaRPr>
+          </a:p>
+          <a:p>
+            <a:pPr marL="342900" lvl="1" indent="-342900">
+              <a:buFont typeface="Arial" pitchFamily="34" charset="0"/>
+              <a:buChar char="•"/>
+            </a:pPr>
+            <a:r>
+              <a:rPr lang="en-US" altLang="zh-CN" sz="1800" b="1" dirty="0" smtClean="0">
+                <a:solidFill>
+                  <a:schemeClr val="accent2"/>
+                </a:solidFill>
+              </a:rPr>
+              <a:t>$ git checkout  -b [branch-name]  </a:t>
+            </a:r>
+          </a:p>
+        </p:txBody>
+      </p:sp>
+    </p:spTree>
+  </p:cSld>
+  <p:clrMapOvr>
+    <a:masterClrMapping/>
+  </p:clrMapOvr>
+</p:sld>
+</file>
+
+<file path=ppt/slides/slide18.xml><?xml version="1.0" encoding="utf-8"?>
+<p:sld xmlns:a="http://schemas.openxmlformats.org/drawingml/2006/main" xmlns:r="http://schemas.openxmlformats.org/officeDocument/2006/relationships" xmlns:p="http://schemas.openxmlformats.org/presentationml/2006/main">
+  <p:cSld>
+    <p:spTree>
+      <p:nvGrpSpPr>
+        <p:cNvPr id="1" name=""/>
+        <p:cNvGrpSpPr/>
+        <p:nvPr/>
+      </p:nvGrpSpPr>
+      <p:grpSpPr>
+        <a:xfrm>
+          <a:off x="0" y="0"/>
+          <a:ext cx="0" cy="0"/>
+          <a:chOff x="0" y="0"/>
+          <a:chExt cx="0" cy="0"/>
+        </a:xfrm>
+      </p:grpSpPr>
+      <p:sp>
+        <p:nvSpPr>
+          <p:cNvPr id="2" name="标题 1"/>
+          <p:cNvSpPr>
+            <a:spLocks noGrp="1"/>
+          </p:cNvSpPr>
+          <p:nvPr>
+            <p:ph type="title"/>
+          </p:nvPr>
+        </p:nvSpPr>
+        <p:spPr/>
+        <p:txBody>
+          <a:bodyPr>
+            <a:normAutofit/>
+          </a:bodyPr>
+          <a:lstStyle/>
+          <a:p>
+            <a:pPr algn="l"/>
+            <a:r>
+              <a:rPr lang="en-US" altLang="zh-CN" dirty="0" smtClean="0">
+                <a:solidFill>
+                  <a:schemeClr val="tx2">
+                    <a:lumMod val="75000"/>
+                  </a:schemeClr>
+                </a:solidFill>
+              </a:rPr>
+              <a:t>git basic commands - </a:t>
+            </a:r>
+            <a:r>
+              <a:rPr lang="en-US" altLang="zh-CN" b="1" dirty="0" smtClean="0">
+                <a:solidFill>
+                  <a:schemeClr val="accent2"/>
+                </a:solidFill>
+              </a:rPr>
+              <a:t>$ git merge</a:t>
+            </a:r>
+            <a:endParaRPr lang="zh-CN" altLang="en-US" dirty="0">
+              <a:solidFill>
+                <a:schemeClr val="tx2">
+                  <a:lumMod val="75000"/>
+                </a:schemeClr>
+              </a:solidFill>
+            </a:endParaRPr>
+          </a:p>
+        </p:txBody>
+      </p:sp>
+      <p:sp>
+        <p:nvSpPr>
+          <p:cNvPr id="3" name="内容占位符 2"/>
+          <p:cNvSpPr>
+            <a:spLocks noGrp="1"/>
+          </p:cNvSpPr>
+          <p:nvPr>
+            <p:ph idx="1"/>
+          </p:nvPr>
+        </p:nvSpPr>
+        <p:spPr/>
+        <p:txBody>
+          <a:bodyPr>
+            <a:normAutofit/>
+          </a:bodyPr>
+          <a:lstStyle/>
+          <a:p>
+            <a:r>
+              <a:rPr lang="en-US" altLang="zh-CN" sz="1800" b="1" dirty="0" smtClean="0">
+                <a:solidFill>
+                  <a:schemeClr val="accent2"/>
+                </a:solidFill>
+              </a:rPr>
+              <a:t>$ git merge</a:t>
+            </a:r>
+          </a:p>
+          <a:p>
+            <a:pPr lvl="1"/>
+            <a:r>
+              <a:rPr lang="en-US" altLang="zh-CN" sz="1400" b="1" dirty="0" smtClean="0">
+                <a:solidFill>
+                  <a:schemeClr val="accent2"/>
+                </a:solidFill>
+              </a:rPr>
+              <a:t>--squash</a:t>
+            </a:r>
+          </a:p>
+          <a:p>
+            <a:pPr lvl="1"/>
+            <a:endParaRPr lang="en-US" altLang="zh-CN" sz="1400" b="1" dirty="0" smtClean="0">
+              <a:solidFill>
+                <a:schemeClr val="accent2"/>
+              </a:solidFill>
+            </a:endParaRPr>
+          </a:p>
+          <a:p>
+            <a:pPr lvl="1"/>
+            <a:endParaRPr lang="en-US" altLang="zh-CN" sz="1400" b="1" dirty="0" smtClean="0">
+              <a:solidFill>
+                <a:schemeClr val="accent2"/>
+              </a:solidFill>
+            </a:endParaRPr>
+          </a:p>
+          <a:p>
+            <a:pPr marL="342900" lvl="1" indent="-342900">
+              <a:buFont typeface="Arial" pitchFamily="34" charset="0"/>
+              <a:buChar char="•"/>
+            </a:pPr>
+            <a:r>
+              <a:rPr lang="en-US" altLang="zh-CN" sz="1800" b="1" dirty="0" smtClean="0">
+                <a:solidFill>
+                  <a:schemeClr val="accent2"/>
+                </a:solidFill>
+              </a:rPr>
+              <a:t>$ git cherry-pick &lt;-n&gt; [commit-id]</a:t>
+            </a:r>
+          </a:p>
+          <a:p>
+            <a:pPr marL="342900" lvl="1" indent="-342900">
+              <a:buNone/>
+            </a:pPr>
+            <a:endParaRPr lang="en-US" altLang="zh-CN" sz="1800" b="1" dirty="0" smtClean="0">
+              <a:solidFill>
+                <a:schemeClr val="accent2"/>
+              </a:solidFill>
+            </a:endParaRPr>
+          </a:p>
+          <a:p>
+            <a:pPr marL="342900" lvl="1" indent="-342900">
+              <a:buFont typeface="Arial" pitchFamily="34" charset="0"/>
+              <a:buChar char="•"/>
+            </a:pPr>
+            <a:endParaRPr lang="en-US" altLang="zh-CN" sz="1800" b="1" dirty="0" smtClean="0">
+              <a:solidFill>
+                <a:schemeClr val="accent2"/>
+              </a:solidFill>
+            </a:endParaRPr>
+          </a:p>
+        </p:txBody>
+      </p:sp>
+    </p:spTree>
+  </p:cSld>
+  <p:clrMapOvr>
+    <a:masterClrMapping/>
+  </p:clrMapOvr>
+</p:sld>
+</file>
+
+<file path=ppt/slides/slide19.xml><?xml version="1.0" encoding="utf-8"?>
+<p:sld xmlns:a="http://schemas.openxmlformats.org/drawingml/2006/main" xmlns:r="http://schemas.openxmlformats.org/officeDocument/2006/relationships" xmlns:p="http://schemas.openxmlformats.org/presentationml/2006/main">
+  <p:cSld>
+    <p:spTree>
+      <p:nvGrpSpPr>
+        <p:cNvPr id="1" name=""/>
+        <p:cNvGrpSpPr/>
+        <p:nvPr/>
+      </p:nvGrpSpPr>
+      <p:grpSpPr>
+        <a:xfrm>
+          <a:off x="0" y="0"/>
+          <a:ext cx="0" cy="0"/>
+          <a:chOff x="0" y="0"/>
+          <a:chExt cx="0" cy="0"/>
+        </a:xfrm>
+      </p:grpSpPr>
+      <p:sp>
+        <p:nvSpPr>
+          <p:cNvPr id="2" name="标题 1"/>
+          <p:cNvSpPr>
+            <a:spLocks noGrp="1"/>
+          </p:cNvSpPr>
+          <p:nvPr>
+            <p:ph type="title"/>
+          </p:nvPr>
+        </p:nvSpPr>
+        <p:spPr/>
+        <p:txBody>
+          <a:bodyPr>
+            <a:normAutofit/>
+          </a:bodyPr>
+          <a:lstStyle/>
+          <a:p>
+            <a:pPr algn="l"/>
+            <a:r>
+              <a:rPr lang="en-US" altLang="zh-CN" dirty="0" smtClean="0">
+                <a:solidFill>
+                  <a:schemeClr val="tx2">
+                    <a:lumMod val="75000"/>
+                  </a:schemeClr>
+                </a:solidFill>
+              </a:rPr>
+              <a:t>git basic commands - </a:t>
+            </a:r>
+            <a:r>
+              <a:rPr lang="en-US" altLang="zh-CN" b="1" dirty="0" smtClean="0">
+                <a:solidFill>
+                  <a:schemeClr val="accent2"/>
+                </a:solidFill>
+              </a:rPr>
+              <a:t>$ git rebase</a:t>
+            </a:r>
+            <a:endParaRPr lang="zh-CN" altLang="en-US" dirty="0">
+              <a:solidFill>
+                <a:schemeClr val="tx2">
+                  <a:lumMod val="75000"/>
+                </a:schemeClr>
+              </a:solidFill>
+            </a:endParaRPr>
+          </a:p>
+        </p:txBody>
+      </p:sp>
+      <p:sp>
+        <p:nvSpPr>
+          <p:cNvPr id="3" name="内容占位符 2"/>
+          <p:cNvSpPr>
+            <a:spLocks noGrp="1"/>
+          </p:cNvSpPr>
+          <p:nvPr>
+            <p:ph idx="1"/>
+          </p:nvPr>
+        </p:nvSpPr>
+        <p:spPr/>
+        <p:txBody>
+          <a:bodyPr>
+            <a:normAutofit/>
+          </a:bodyPr>
+          <a:lstStyle/>
+          <a:p>
+            <a:r>
+              <a:rPr lang="en-US" altLang="zh-CN" sz="1800" b="1" dirty="0" smtClean="0">
+                <a:solidFill>
+                  <a:schemeClr val="accent2"/>
+                </a:solidFill>
+              </a:rPr>
+              <a:t>$ git rebase</a:t>
+            </a:r>
+          </a:p>
+          <a:p>
+            <a:pPr lvl="1"/>
+            <a:r>
+              <a:rPr lang="en-US" altLang="zh-CN" sz="1400" b="1" dirty="0" smtClean="0">
+                <a:solidFill>
+                  <a:schemeClr val="accent2"/>
+                </a:solidFill>
+              </a:rPr>
+              <a:t>--abort</a:t>
+            </a:r>
+          </a:p>
+          <a:p>
+            <a:pPr lvl="1"/>
+            <a:r>
+              <a:rPr lang="en-US" altLang="zh-CN" sz="1400" b="1" dirty="0" smtClean="0">
+                <a:solidFill>
+                  <a:schemeClr val="accent2"/>
+                </a:solidFill>
+              </a:rPr>
+              <a:t>--skip</a:t>
+            </a:r>
+          </a:p>
+          <a:p>
+            <a:pPr lvl="1"/>
+            <a:r>
+              <a:rPr lang="en-US" altLang="zh-CN" sz="1400" b="1" dirty="0" smtClean="0">
+                <a:solidFill>
+                  <a:schemeClr val="accent2"/>
+                </a:solidFill>
+              </a:rPr>
+              <a:t>--continue</a:t>
+            </a:r>
+          </a:p>
+          <a:p>
+            <a:pPr lvl="1"/>
+            <a:r>
+              <a:rPr lang="en-US" altLang="zh-CN" sz="1400" b="1" dirty="0" smtClean="0">
+                <a:solidFill>
+                  <a:schemeClr val="accent2"/>
+                </a:solidFill>
+              </a:rPr>
+              <a:t>$ git rebase [</a:t>
+            </a:r>
+            <a:r>
+              <a:rPr lang="zh-CN" altLang="en-US" sz="1400" b="1" dirty="0" smtClean="0">
+                <a:solidFill>
+                  <a:schemeClr val="accent2"/>
+                </a:solidFill>
+              </a:rPr>
+              <a:t>主分支</a:t>
+            </a:r>
+            <a:r>
+              <a:rPr lang="en-US" altLang="zh-CN" sz="1400" b="1" dirty="0" smtClean="0">
+                <a:solidFill>
+                  <a:schemeClr val="accent2"/>
+                </a:solidFill>
+              </a:rPr>
+              <a:t>]  [</a:t>
+            </a:r>
+            <a:r>
+              <a:rPr lang="zh-CN" altLang="en-US" sz="1400" b="1" dirty="0" smtClean="0">
+                <a:solidFill>
+                  <a:schemeClr val="accent2"/>
+                </a:solidFill>
+              </a:rPr>
+              <a:t>特性分支</a:t>
+            </a:r>
+            <a:r>
+              <a:rPr lang="en-US" altLang="zh-CN" sz="1400" b="1" dirty="0" smtClean="0">
+                <a:solidFill>
+                  <a:schemeClr val="accent2"/>
+                </a:solidFill>
+              </a:rPr>
+              <a:t>]</a:t>
+            </a:r>
+          </a:p>
+          <a:p>
+            <a:pPr lvl="1"/>
+            <a:r>
+              <a:rPr lang="en-US" altLang="zh-CN" sz="1400" b="1" dirty="0" smtClean="0">
+                <a:solidFill>
+                  <a:schemeClr val="accent2"/>
+                </a:solidFill>
+              </a:rPr>
+              <a:t>--onto  [</a:t>
+            </a:r>
+            <a:r>
+              <a:rPr lang="zh-CN" altLang="en-US" sz="1400" b="1" dirty="0" smtClean="0">
+                <a:solidFill>
+                  <a:schemeClr val="accent2"/>
+                </a:solidFill>
+              </a:rPr>
+              <a:t>主分支</a:t>
+            </a:r>
+            <a:r>
+              <a:rPr lang="en-US" altLang="zh-CN" sz="1400" b="1" dirty="0" smtClean="0">
+                <a:solidFill>
+                  <a:schemeClr val="accent2"/>
+                </a:solidFill>
+              </a:rPr>
+              <a:t>]  [</a:t>
+            </a:r>
+            <a:r>
+              <a:rPr lang="zh-CN" altLang="en-US" sz="1400" b="1" dirty="0" smtClean="0">
+                <a:solidFill>
+                  <a:schemeClr val="accent2"/>
+                </a:solidFill>
+              </a:rPr>
+              <a:t>特性分支</a:t>
+            </a:r>
+            <a:r>
+              <a:rPr lang="en-US" altLang="zh-CN" sz="1400" b="1" dirty="0" smtClean="0">
+                <a:solidFill>
+                  <a:schemeClr val="accent2"/>
+                </a:solidFill>
+              </a:rPr>
+              <a:t>1]   [</a:t>
+            </a:r>
+            <a:r>
+              <a:rPr lang="zh-CN" altLang="en-US" sz="1400" b="1" dirty="0" smtClean="0">
+                <a:solidFill>
+                  <a:schemeClr val="accent2"/>
+                </a:solidFill>
+              </a:rPr>
+              <a:t>特性分支</a:t>
+            </a:r>
+            <a:r>
+              <a:rPr lang="en-US" altLang="zh-CN" sz="1400" b="1" dirty="0" smtClean="0">
+                <a:solidFill>
+                  <a:schemeClr val="accent2"/>
+                </a:solidFill>
+              </a:rPr>
+              <a:t>2</a:t>
+            </a:r>
+            <a:r>
+              <a:rPr lang="en-US" altLang="zh-CN" sz="1400" b="1" dirty="0" smtClean="0">
+                <a:solidFill>
+                  <a:schemeClr val="accent2"/>
+                </a:solidFill>
+              </a:rPr>
+              <a:t>]</a:t>
+            </a:r>
+          </a:p>
+          <a:p>
+            <a:pPr lvl="1"/>
+            <a:endParaRPr lang="en-US" altLang="zh-CN" sz="1400" b="1" dirty="0" smtClean="0">
+              <a:solidFill>
+                <a:schemeClr val="accent2"/>
+              </a:solidFill>
+            </a:endParaRPr>
+          </a:p>
+          <a:p>
+            <a:pPr marL="342900" lvl="1" indent="-342900">
+              <a:buNone/>
+            </a:pPr>
+            <a:r>
+              <a:rPr lang="zh-CN" altLang="en-US" sz="2400" b="1" dirty="0" smtClean="0">
+                <a:solidFill>
+                  <a:srgbClr val="FF0000"/>
+                </a:solidFill>
+              </a:rPr>
+              <a:t>注意：请不要尝试</a:t>
+            </a:r>
+            <a:r>
+              <a:rPr lang="en-US" altLang="zh-CN" sz="2400" b="1" dirty="0" smtClean="0">
+                <a:solidFill>
+                  <a:srgbClr val="FF0000"/>
+                </a:solidFill>
+              </a:rPr>
+              <a:t>rebase</a:t>
+            </a:r>
+            <a:r>
+              <a:rPr lang="zh-CN" altLang="en-US" sz="2400" b="1" dirty="0" smtClean="0">
+                <a:solidFill>
+                  <a:srgbClr val="FF0000"/>
+                </a:solidFill>
+              </a:rPr>
+              <a:t>已经</a:t>
+            </a:r>
+            <a:r>
+              <a:rPr lang="en-US" altLang="zh-CN" sz="2400" b="1" dirty="0" smtClean="0">
+                <a:solidFill>
+                  <a:srgbClr val="FF0000"/>
+                </a:solidFill>
+              </a:rPr>
+              <a:t>push</a:t>
+            </a:r>
+            <a:r>
+              <a:rPr lang="zh-CN" altLang="en-US" sz="2400" b="1" dirty="0" smtClean="0">
+                <a:solidFill>
+                  <a:srgbClr val="FF0000"/>
+                </a:solidFill>
+              </a:rPr>
+              <a:t>的</a:t>
+            </a:r>
+            <a:r>
+              <a:rPr lang="en-US" altLang="zh-CN" sz="2400" b="1" dirty="0" smtClean="0">
+                <a:solidFill>
+                  <a:srgbClr val="FF0000"/>
+                </a:solidFill>
+              </a:rPr>
+              <a:t>commit</a:t>
+            </a:r>
+            <a:endParaRPr lang="en-US" altLang="zh-CN" sz="2400" b="1" dirty="0" smtClean="0">
+              <a:solidFill>
+                <a:srgbClr val="FF0000"/>
+              </a:solidFill>
+            </a:endParaRPr>
+          </a:p>
+          <a:p>
+            <a:pPr marL="342900" lvl="1" indent="-342900">
+              <a:buFont typeface="Arial" pitchFamily="34" charset="0"/>
+              <a:buChar char="•"/>
+            </a:pPr>
             <a:endParaRPr lang="en-US" altLang="zh-CN" sz="1800" b="1" dirty="0" smtClean="0">
               <a:solidFill>
                 <a:schemeClr val="accent2"/>
@@ -6568,6 +7356,1976 @@
       </p:par>
     </p:tnLst>
   </p:timing>
+</p:sld>
+</file>
+
+<file path=ppt/slides/slide20.xml><?xml version="1.0" encoding="utf-8"?>
+<p:sld xmlns:a="http://schemas.openxmlformats.org/drawingml/2006/main" xmlns:r="http://schemas.openxmlformats.org/officeDocument/2006/relationships" xmlns:p="http://schemas.openxmlformats.org/presentationml/2006/main">
+  <p:cSld>
+    <p:spTree>
+      <p:nvGrpSpPr>
+        <p:cNvPr id="1" name=""/>
+        <p:cNvGrpSpPr/>
+        <p:nvPr/>
+      </p:nvGrpSpPr>
+      <p:grpSpPr>
+        <a:xfrm>
+          <a:off x="0" y="0"/>
+          <a:ext cx="0" cy="0"/>
+          <a:chOff x="0" y="0"/>
+          <a:chExt cx="0" cy="0"/>
+        </a:xfrm>
+      </p:grpSpPr>
+      <p:sp>
+        <p:nvSpPr>
+          <p:cNvPr id="2" name="标题 1"/>
+          <p:cNvSpPr>
+            <a:spLocks noGrp="1"/>
+          </p:cNvSpPr>
+          <p:nvPr>
+            <p:ph type="title"/>
+          </p:nvPr>
+        </p:nvSpPr>
+        <p:spPr/>
+        <p:txBody>
+          <a:bodyPr>
+            <a:normAutofit fontScale="90000"/>
+          </a:bodyPr>
+          <a:lstStyle/>
+          <a:p>
+            <a:pPr algn="l"/>
+            <a:r>
+              <a:rPr lang="en-US" altLang="zh-CN" dirty="0" smtClean="0">
+                <a:solidFill>
+                  <a:schemeClr val="tx2">
+                    <a:lumMod val="75000"/>
+                  </a:schemeClr>
+                </a:solidFill>
+              </a:rPr>
+              <a:t>git basic commands - </a:t>
+            </a:r>
+            <a:r>
+              <a:rPr lang="en-US" altLang="zh-CN" b="1" dirty="0" smtClean="0">
+                <a:solidFill>
+                  <a:schemeClr val="accent2"/>
+                </a:solidFill>
+              </a:rPr>
+              <a:t>$ git checkout</a:t>
+            </a:r>
+            <a:endParaRPr lang="zh-CN" altLang="en-US" dirty="0">
+              <a:solidFill>
+                <a:schemeClr val="tx2">
+                  <a:lumMod val="75000"/>
+                </a:schemeClr>
+              </a:solidFill>
+            </a:endParaRPr>
+          </a:p>
+        </p:txBody>
+      </p:sp>
+      <p:sp>
+        <p:nvSpPr>
+          <p:cNvPr id="3" name="内容占位符 2"/>
+          <p:cNvSpPr>
+            <a:spLocks noGrp="1"/>
+          </p:cNvSpPr>
+          <p:nvPr>
+            <p:ph idx="1"/>
+          </p:nvPr>
+        </p:nvSpPr>
+        <p:spPr/>
+        <p:txBody>
+          <a:bodyPr>
+            <a:normAutofit/>
+          </a:bodyPr>
+          <a:lstStyle/>
+          <a:p>
+            <a:r>
+              <a:rPr lang="en-US" altLang="zh-CN" sz="1800" b="1" dirty="0" smtClean="0">
+                <a:solidFill>
+                  <a:schemeClr val="accent2"/>
+                </a:solidFill>
+              </a:rPr>
+              <a:t>$ git checkout     </a:t>
+            </a:r>
+            <a:r>
+              <a:rPr lang="en-US" altLang="zh-CN" sz="1800" dirty="0" smtClean="0">
+                <a:solidFill>
+                  <a:schemeClr val="accent1"/>
+                </a:solidFill>
+              </a:rPr>
+              <a:t>: </a:t>
+            </a:r>
+            <a:r>
+              <a:rPr lang="zh-CN" altLang="en-US" sz="1800" dirty="0" smtClean="0">
+                <a:solidFill>
+                  <a:schemeClr val="accent1"/>
+                </a:solidFill>
+              </a:rPr>
+              <a:t>重写工作区</a:t>
+            </a:r>
+            <a:endParaRPr lang="en-US" altLang="zh-CN" sz="1800" dirty="0" smtClean="0">
+              <a:solidFill>
+                <a:schemeClr val="accent1"/>
+              </a:solidFill>
+            </a:endParaRPr>
+          </a:p>
+          <a:p>
+            <a:pPr lvl="1"/>
+            <a:r>
+              <a:rPr lang="en-US" altLang="zh-CN" sz="1400" b="1" dirty="0" smtClean="0">
+                <a:solidFill>
+                  <a:schemeClr val="accent2"/>
+                </a:solidFill>
+              </a:rPr>
+              <a:t>&lt;-b&gt; [branch-name]</a:t>
+            </a:r>
+          </a:p>
+          <a:p>
+            <a:pPr lvl="1"/>
+            <a:r>
+              <a:rPr lang="en-US" altLang="zh-CN" sz="1400" b="1" dirty="0" smtClean="0">
+                <a:solidFill>
+                  <a:schemeClr val="accent2"/>
+                </a:solidFill>
+              </a:rPr>
+              <a:t>-- [file-name] </a:t>
+            </a:r>
+          </a:p>
+          <a:p>
+            <a:pPr lvl="1"/>
+            <a:r>
+              <a:rPr lang="en-US" altLang="zh-CN" sz="1400" b="1" dirty="0" smtClean="0">
+                <a:solidFill>
+                  <a:schemeClr val="accent2"/>
+                </a:solidFill>
+              </a:rPr>
+              <a:t>HEAD [file-name]</a:t>
+            </a:r>
+          </a:p>
+          <a:p>
+            <a:pPr lvl="1"/>
+            <a:r>
+              <a:rPr lang="en-US" altLang="zh-CN" sz="1400" b="1" dirty="0" smtClean="0">
+                <a:solidFill>
+                  <a:schemeClr val="accent2"/>
+                </a:solidFill>
+              </a:rPr>
+              <a:t>[branch-name] -- [file-name]</a:t>
+            </a:r>
+          </a:p>
+          <a:p>
+            <a:pPr lvl="1"/>
+            <a:r>
+              <a:rPr lang="en-US" altLang="zh-CN" sz="1400" b="1" dirty="0" smtClean="0">
+                <a:solidFill>
+                  <a:schemeClr val="accent2"/>
+                </a:solidFill>
+              </a:rPr>
+              <a:t>-b  [local-branch-name]  [remote-branch-name]</a:t>
+            </a:r>
+          </a:p>
+          <a:p>
+            <a:pPr lvl="1"/>
+            <a:r>
+              <a:rPr lang="en-US" altLang="zh-CN" sz="1400" b="1" dirty="0" smtClean="0">
+                <a:solidFill>
+                  <a:schemeClr val="accent2"/>
+                </a:solidFill>
+              </a:rPr>
+              <a:t>--track  [remote-branch-name]</a:t>
+            </a:r>
+          </a:p>
+          <a:p>
+            <a:pPr lvl="1"/>
+            <a:endParaRPr lang="en-US" altLang="zh-CN" sz="1400" b="1" dirty="0" smtClean="0">
+              <a:solidFill>
+                <a:schemeClr val="accent2"/>
+              </a:solidFill>
+            </a:endParaRPr>
+          </a:p>
+          <a:p>
+            <a:pPr marL="342900" lvl="1" indent="-342900">
+              <a:buNone/>
+            </a:pPr>
+            <a:endParaRPr lang="en-US" altLang="zh-CN" sz="1800" b="1" dirty="0" smtClean="0">
+              <a:solidFill>
+                <a:schemeClr val="accent2"/>
+              </a:solidFill>
+            </a:endParaRPr>
+          </a:p>
+          <a:p>
+            <a:pPr marL="342900" lvl="1" indent="-342900">
+              <a:buFont typeface="Arial" pitchFamily="34" charset="0"/>
+              <a:buChar char="•"/>
+            </a:pPr>
+            <a:endParaRPr lang="en-US" altLang="zh-CN" sz="1800" b="1" dirty="0" smtClean="0">
+              <a:solidFill>
+                <a:schemeClr val="accent2"/>
+              </a:solidFill>
+            </a:endParaRPr>
+          </a:p>
+        </p:txBody>
+      </p:sp>
+    </p:spTree>
+  </p:cSld>
+  <p:clrMapOvr>
+    <a:masterClrMapping/>
+  </p:clrMapOvr>
+</p:sld>
+</file>
+
+<file path=ppt/slides/slide21.xml><?xml version="1.0" encoding="utf-8"?>
+<p:sld xmlns:a="http://schemas.openxmlformats.org/drawingml/2006/main" xmlns:r="http://schemas.openxmlformats.org/officeDocument/2006/relationships" xmlns:p="http://schemas.openxmlformats.org/presentationml/2006/main">
+  <p:cSld>
+    <p:spTree>
+      <p:nvGrpSpPr>
+        <p:cNvPr id="1" name=""/>
+        <p:cNvGrpSpPr/>
+        <p:nvPr/>
+      </p:nvGrpSpPr>
+      <p:grpSpPr>
+        <a:xfrm>
+          <a:off x="0" y="0"/>
+          <a:ext cx="0" cy="0"/>
+          <a:chOff x="0" y="0"/>
+          <a:chExt cx="0" cy="0"/>
+        </a:xfrm>
+      </p:grpSpPr>
+      <p:sp>
+        <p:nvSpPr>
+          <p:cNvPr id="2" name="标题 1"/>
+          <p:cNvSpPr>
+            <a:spLocks noGrp="1"/>
+          </p:cNvSpPr>
+          <p:nvPr>
+            <p:ph type="title"/>
+          </p:nvPr>
+        </p:nvSpPr>
+        <p:spPr/>
+        <p:txBody>
+          <a:bodyPr>
+            <a:normAutofit/>
+          </a:bodyPr>
+          <a:lstStyle/>
+          <a:p>
+            <a:pPr algn="l"/>
+            <a:r>
+              <a:rPr lang="en-US" altLang="zh-CN" dirty="0" smtClean="0">
+                <a:solidFill>
+                  <a:schemeClr val="tx2">
+                    <a:lumMod val="75000"/>
+                  </a:schemeClr>
+                </a:solidFill>
+              </a:rPr>
+              <a:t>git basic commands - </a:t>
+            </a:r>
+            <a:r>
+              <a:rPr lang="en-US" altLang="zh-CN" b="1" dirty="0" smtClean="0">
+                <a:solidFill>
+                  <a:schemeClr val="accent2"/>
+                </a:solidFill>
+              </a:rPr>
+              <a:t>$ git diff</a:t>
+            </a:r>
+            <a:endParaRPr lang="zh-CN" altLang="en-US" dirty="0">
+              <a:solidFill>
+                <a:schemeClr val="tx2">
+                  <a:lumMod val="75000"/>
+                </a:schemeClr>
+              </a:solidFill>
+            </a:endParaRPr>
+          </a:p>
+        </p:txBody>
+      </p:sp>
+      <p:sp>
+        <p:nvSpPr>
+          <p:cNvPr id="3" name="内容占位符 2"/>
+          <p:cNvSpPr>
+            <a:spLocks noGrp="1"/>
+          </p:cNvSpPr>
+          <p:nvPr>
+            <p:ph idx="1"/>
+          </p:nvPr>
+        </p:nvSpPr>
+        <p:spPr/>
+        <p:txBody>
+          <a:bodyPr>
+            <a:normAutofit/>
+          </a:bodyPr>
+          <a:lstStyle/>
+          <a:p>
+            <a:r>
+              <a:rPr lang="en-US" altLang="zh-CN" sz="1800" b="1" dirty="0" smtClean="0">
+                <a:solidFill>
+                  <a:schemeClr val="accent2"/>
+                </a:solidFill>
+              </a:rPr>
+              <a:t>$ git diff</a:t>
+            </a:r>
+            <a:endParaRPr lang="en-US" altLang="zh-CN" sz="1800" dirty="0" smtClean="0">
+              <a:solidFill>
+                <a:schemeClr val="accent1"/>
+              </a:solidFill>
+            </a:endParaRPr>
+          </a:p>
+          <a:p>
+            <a:pPr lvl="1"/>
+            <a:r>
+              <a:rPr lang="en-US" altLang="zh-CN" sz="1400" b="1" dirty="0" smtClean="0">
+                <a:solidFill>
+                  <a:schemeClr val="accent2"/>
+                </a:solidFill>
+              </a:rPr>
+              <a:t>--cached</a:t>
+            </a:r>
+          </a:p>
+          <a:p>
+            <a:pPr lvl="1"/>
+            <a:r>
+              <a:rPr lang="en-US" altLang="zh-CN" sz="1400" b="1" dirty="0" smtClean="0">
+                <a:solidFill>
+                  <a:schemeClr val="accent2"/>
+                </a:solidFill>
+              </a:rPr>
+              <a:t>HEAD  |  [commit-id]   |   [branch-name]  [file-name]</a:t>
+            </a:r>
+          </a:p>
+          <a:p>
+            <a:pPr lvl="1"/>
+            <a:r>
+              <a:rPr lang="en-US" altLang="zh-CN" sz="1400" b="1" dirty="0" smtClean="0">
+                <a:solidFill>
+                  <a:schemeClr val="accent2"/>
+                </a:solidFill>
+              </a:rPr>
+              <a:t>[branch-name1]..[branch-name2]    | [branch-name1]  [branch-name2]</a:t>
+            </a:r>
+          </a:p>
+          <a:p>
+            <a:pPr lvl="1"/>
+            <a:r>
+              <a:rPr lang="en-US" altLang="zh-CN" sz="1400" b="1" dirty="0" smtClean="0">
+                <a:solidFill>
+                  <a:schemeClr val="accent2"/>
+                </a:solidFill>
+              </a:rPr>
+              <a:t>[branch-name1]...[branch-name2]</a:t>
+            </a:r>
+          </a:p>
+          <a:p>
+            <a:pPr lvl="1"/>
+            <a:endParaRPr lang="en-US" altLang="zh-CN" sz="1400" b="1" dirty="0" smtClean="0">
+              <a:solidFill>
+                <a:schemeClr val="accent2"/>
+              </a:solidFill>
+            </a:endParaRPr>
+          </a:p>
+          <a:p>
+            <a:pPr lvl="1"/>
+            <a:endParaRPr lang="en-US" altLang="zh-CN" sz="1400" b="1" dirty="0" smtClean="0">
+              <a:solidFill>
+                <a:schemeClr val="accent2"/>
+              </a:solidFill>
+            </a:endParaRPr>
+          </a:p>
+          <a:p>
+            <a:pPr marL="342900" lvl="1" indent="-342900">
+              <a:buNone/>
+            </a:pPr>
+            <a:endParaRPr lang="en-US" altLang="zh-CN" sz="1800" b="1" dirty="0" smtClean="0">
+              <a:solidFill>
+                <a:schemeClr val="accent2"/>
+              </a:solidFill>
+            </a:endParaRPr>
+          </a:p>
+          <a:p>
+            <a:pPr marL="342900" lvl="1" indent="-342900">
+              <a:buFont typeface="Arial" pitchFamily="34" charset="0"/>
+              <a:buChar char="•"/>
+            </a:pPr>
+            <a:endParaRPr lang="en-US" altLang="zh-CN" sz="1800" b="1" dirty="0" smtClean="0">
+              <a:solidFill>
+                <a:schemeClr val="accent2"/>
+              </a:solidFill>
+            </a:endParaRPr>
+          </a:p>
+        </p:txBody>
+      </p:sp>
+    </p:spTree>
+  </p:cSld>
+  <p:clrMapOvr>
+    <a:masterClrMapping/>
+  </p:clrMapOvr>
+</p:sld>
+</file>
+
+<file path=ppt/slides/slide22.xml><?xml version="1.0" encoding="utf-8"?>
+<p:sld xmlns:a="http://schemas.openxmlformats.org/drawingml/2006/main" xmlns:r="http://schemas.openxmlformats.org/officeDocument/2006/relationships" xmlns:p="http://schemas.openxmlformats.org/presentationml/2006/main">
+  <p:cSld>
+    <p:spTree>
+      <p:nvGrpSpPr>
+        <p:cNvPr id="1" name=""/>
+        <p:cNvGrpSpPr/>
+        <p:nvPr/>
+      </p:nvGrpSpPr>
+      <p:grpSpPr>
+        <a:xfrm>
+          <a:off x="0" y="0"/>
+          <a:ext cx="0" cy="0"/>
+          <a:chOff x="0" y="0"/>
+          <a:chExt cx="0" cy="0"/>
+        </a:xfrm>
+      </p:grpSpPr>
+      <p:sp>
+        <p:nvSpPr>
+          <p:cNvPr id="2" name="标题 1"/>
+          <p:cNvSpPr>
+            <a:spLocks noGrp="1"/>
+          </p:cNvSpPr>
+          <p:nvPr>
+            <p:ph type="title"/>
+          </p:nvPr>
+        </p:nvSpPr>
+        <p:spPr/>
+        <p:txBody>
+          <a:bodyPr>
+            <a:normAutofit/>
+          </a:bodyPr>
+          <a:lstStyle/>
+          <a:p>
+            <a:pPr algn="l"/>
+            <a:r>
+              <a:rPr lang="en-US" altLang="zh-CN" dirty="0" smtClean="0">
+                <a:solidFill>
+                  <a:schemeClr val="tx2">
+                    <a:lumMod val="75000"/>
+                  </a:schemeClr>
+                </a:solidFill>
+              </a:rPr>
+              <a:t>git basic commands - </a:t>
+            </a:r>
+            <a:r>
+              <a:rPr lang="en-US" altLang="zh-CN" b="1" dirty="0" smtClean="0">
+                <a:solidFill>
+                  <a:schemeClr val="accent2"/>
+                </a:solidFill>
+              </a:rPr>
+              <a:t>$ git reset</a:t>
+            </a:r>
+            <a:endParaRPr lang="zh-CN" altLang="en-US" dirty="0">
+              <a:solidFill>
+                <a:schemeClr val="tx2">
+                  <a:lumMod val="75000"/>
+                </a:schemeClr>
+              </a:solidFill>
+            </a:endParaRPr>
+          </a:p>
+        </p:txBody>
+      </p:sp>
+      <p:sp>
+        <p:nvSpPr>
+          <p:cNvPr id="3" name="内容占位符 2"/>
+          <p:cNvSpPr>
+            <a:spLocks noGrp="1"/>
+          </p:cNvSpPr>
+          <p:nvPr>
+            <p:ph idx="1"/>
+          </p:nvPr>
+        </p:nvSpPr>
+        <p:spPr/>
+        <p:txBody>
+          <a:bodyPr>
+            <a:normAutofit/>
+          </a:bodyPr>
+          <a:lstStyle/>
+          <a:p>
+            <a:r>
+              <a:rPr lang="en-US" altLang="zh-CN" sz="1800" b="1" dirty="0" smtClean="0">
+                <a:solidFill>
+                  <a:schemeClr val="accent2"/>
+                </a:solidFill>
+              </a:rPr>
+              <a:t>$ git reset</a:t>
+            </a:r>
+            <a:endParaRPr lang="en-US" altLang="zh-CN" sz="1800" dirty="0" smtClean="0">
+              <a:solidFill>
+                <a:schemeClr val="accent1"/>
+              </a:solidFill>
+            </a:endParaRPr>
+          </a:p>
+          <a:p>
+            <a:pPr lvl="1"/>
+            <a:r>
+              <a:rPr lang="en-US" altLang="zh-CN" sz="1400" b="1" dirty="0" smtClean="0">
+                <a:solidFill>
+                  <a:schemeClr val="accent2"/>
+                </a:solidFill>
+              </a:rPr>
+              <a:t>--hard |  --soft  |  --mixed</a:t>
+            </a:r>
+          </a:p>
+          <a:p>
+            <a:pPr lvl="1"/>
+            <a:r>
+              <a:rPr lang="en-US" altLang="zh-CN" sz="1400" b="1" dirty="0" smtClean="0">
+                <a:solidFill>
+                  <a:schemeClr val="accent2"/>
+                </a:solidFill>
+              </a:rPr>
+              <a:t>[branch-name]   | HEAD   |   [commit-id]</a:t>
+            </a:r>
+          </a:p>
+          <a:p>
+            <a:pPr marL="342900" lvl="1" indent="-342900">
+              <a:buNone/>
+            </a:pPr>
+            <a:endParaRPr lang="en-US" altLang="zh-CN" sz="1800" b="1" dirty="0" smtClean="0">
+              <a:solidFill>
+                <a:schemeClr val="accent2"/>
+              </a:solidFill>
+            </a:endParaRPr>
+          </a:p>
+          <a:p>
+            <a:pPr marL="342900" lvl="1" indent="-342900">
+              <a:buFont typeface="Arial" pitchFamily="34" charset="0"/>
+              <a:buChar char="•"/>
+            </a:pPr>
+            <a:endParaRPr lang="en-US" altLang="zh-CN" sz="1800" b="1" dirty="0" smtClean="0">
+              <a:solidFill>
+                <a:schemeClr val="accent2"/>
+              </a:solidFill>
+            </a:endParaRPr>
+          </a:p>
+        </p:txBody>
+      </p:sp>
+    </p:spTree>
+  </p:cSld>
+  <p:clrMapOvr>
+    <a:masterClrMapping/>
+  </p:clrMapOvr>
+</p:sld>
+</file>
+
+<file path=ppt/slides/slide23.xml><?xml version="1.0" encoding="utf-8"?>
+<p:sld xmlns:a="http://schemas.openxmlformats.org/drawingml/2006/main" xmlns:r="http://schemas.openxmlformats.org/officeDocument/2006/relationships" xmlns:p="http://schemas.openxmlformats.org/presentationml/2006/main">
+  <p:cSld>
+    <p:spTree>
+      <p:nvGrpSpPr>
+        <p:cNvPr id="1" name=""/>
+        <p:cNvGrpSpPr/>
+        <p:nvPr/>
+      </p:nvGrpSpPr>
+      <p:grpSpPr>
+        <a:xfrm>
+          <a:off x="0" y="0"/>
+          <a:ext cx="0" cy="0"/>
+          <a:chOff x="0" y="0"/>
+          <a:chExt cx="0" cy="0"/>
+        </a:xfrm>
+      </p:grpSpPr>
+      <p:sp>
+        <p:nvSpPr>
+          <p:cNvPr id="2" name="标题 1"/>
+          <p:cNvSpPr>
+            <a:spLocks noGrp="1"/>
+          </p:cNvSpPr>
+          <p:nvPr>
+            <p:ph type="title"/>
+          </p:nvPr>
+        </p:nvSpPr>
+        <p:spPr/>
+        <p:txBody>
+          <a:bodyPr>
+            <a:normAutofit/>
+          </a:bodyPr>
+          <a:lstStyle/>
+          <a:p>
+            <a:pPr algn="l"/>
+            <a:r>
+              <a:rPr lang="en-US" altLang="zh-CN" dirty="0" smtClean="0">
+                <a:solidFill>
+                  <a:schemeClr val="tx2">
+                    <a:lumMod val="75000"/>
+                  </a:schemeClr>
+                </a:solidFill>
+              </a:rPr>
+              <a:t>git basic commands - </a:t>
+            </a:r>
+            <a:r>
+              <a:rPr lang="en-US" altLang="zh-CN" b="1" dirty="0" smtClean="0">
+                <a:solidFill>
+                  <a:schemeClr val="accent2"/>
+                </a:solidFill>
+              </a:rPr>
+              <a:t>$ git rm</a:t>
+            </a:r>
+            <a:endParaRPr lang="zh-CN" altLang="en-US" dirty="0">
+              <a:solidFill>
+                <a:schemeClr val="tx2">
+                  <a:lumMod val="75000"/>
+                </a:schemeClr>
+              </a:solidFill>
+            </a:endParaRPr>
+          </a:p>
+        </p:txBody>
+      </p:sp>
+      <p:sp>
+        <p:nvSpPr>
+          <p:cNvPr id="3" name="内容占位符 2"/>
+          <p:cNvSpPr>
+            <a:spLocks noGrp="1"/>
+          </p:cNvSpPr>
+          <p:nvPr>
+            <p:ph idx="1"/>
+          </p:nvPr>
+        </p:nvSpPr>
+        <p:spPr/>
+        <p:txBody>
+          <a:bodyPr>
+            <a:normAutofit/>
+          </a:bodyPr>
+          <a:lstStyle/>
+          <a:p>
+            <a:r>
+              <a:rPr lang="en-US" altLang="zh-CN" sz="1800" b="1" dirty="0" smtClean="0">
+                <a:solidFill>
+                  <a:schemeClr val="accent2"/>
+                </a:solidFill>
+              </a:rPr>
+              <a:t>$ git rm</a:t>
+            </a:r>
+            <a:endParaRPr lang="en-US" altLang="zh-CN" sz="1800" dirty="0" smtClean="0">
+              <a:solidFill>
+                <a:schemeClr val="accent1"/>
+              </a:solidFill>
+            </a:endParaRPr>
+          </a:p>
+          <a:p>
+            <a:pPr lvl="1"/>
+            <a:r>
+              <a:rPr lang="en-US" altLang="zh-CN" sz="1400" b="1" dirty="0" smtClean="0">
+                <a:solidFill>
+                  <a:schemeClr val="accent2"/>
+                </a:solidFill>
+              </a:rPr>
+              <a:t>--cached</a:t>
+            </a:r>
+          </a:p>
+          <a:p>
+            <a:pPr lvl="1"/>
+            <a:r>
+              <a:rPr lang="en-US" altLang="zh-CN" sz="1400" b="1" dirty="0" smtClean="0">
+                <a:solidFill>
+                  <a:schemeClr val="accent2"/>
+                </a:solidFill>
+              </a:rPr>
+              <a:t>-f</a:t>
+            </a:r>
+          </a:p>
+          <a:p>
+            <a:pPr lvl="1"/>
+            <a:endParaRPr lang="en-US" altLang="zh-CN" sz="1400" b="1" dirty="0" smtClean="0">
+              <a:solidFill>
+                <a:schemeClr val="accent2"/>
+              </a:solidFill>
+            </a:endParaRPr>
+          </a:p>
+          <a:p>
+            <a:pPr lvl="1"/>
+            <a:endParaRPr lang="en-US" altLang="zh-CN" sz="1400" b="1" dirty="0" smtClean="0">
+              <a:solidFill>
+                <a:schemeClr val="accent2"/>
+              </a:solidFill>
+            </a:endParaRPr>
+          </a:p>
+          <a:p>
+            <a:pPr lvl="1"/>
+            <a:endParaRPr lang="en-US" altLang="zh-CN" sz="1400" b="1" dirty="0" smtClean="0">
+              <a:solidFill>
+                <a:schemeClr val="accent2"/>
+              </a:solidFill>
+            </a:endParaRPr>
+          </a:p>
+          <a:p>
+            <a:pPr marL="342900" lvl="1" indent="-342900">
+              <a:buFont typeface="Arial" pitchFamily="34" charset="0"/>
+              <a:buChar char="•"/>
+            </a:pPr>
+            <a:r>
+              <a:rPr lang="en-US" altLang="zh-CN" sz="1800" b="1" dirty="0" smtClean="0">
+                <a:solidFill>
+                  <a:schemeClr val="accent2"/>
+                </a:solidFill>
+              </a:rPr>
+              <a:t>$ rm</a:t>
+            </a:r>
+          </a:p>
+          <a:p>
+            <a:pPr marL="342900" lvl="1" indent="-342900">
+              <a:buFont typeface="Arial" pitchFamily="34" charset="0"/>
+              <a:buChar char="•"/>
+            </a:pPr>
+            <a:endParaRPr lang="en-US" altLang="zh-CN" sz="1800" b="1" dirty="0" smtClean="0">
+              <a:solidFill>
+                <a:schemeClr val="accent2"/>
+              </a:solidFill>
+            </a:endParaRPr>
+          </a:p>
+          <a:p>
+            <a:pPr marL="342900" lvl="1" indent="-342900">
+              <a:buFont typeface="Arial" pitchFamily="34" charset="0"/>
+              <a:buChar char="•"/>
+            </a:pPr>
+            <a:endParaRPr lang="en-US" altLang="zh-CN" sz="1800" b="1" dirty="0" smtClean="0">
+              <a:solidFill>
+                <a:schemeClr val="accent2"/>
+              </a:solidFill>
+            </a:endParaRPr>
+          </a:p>
+          <a:p>
+            <a:pPr marL="342900" lvl="1" indent="-342900">
+              <a:buFont typeface="Arial" pitchFamily="34" charset="0"/>
+              <a:buChar char="•"/>
+            </a:pPr>
+            <a:r>
+              <a:rPr lang="en-US" altLang="zh-CN" sz="1800" b="1" dirty="0" smtClean="0">
+                <a:solidFill>
+                  <a:schemeClr val="accent2"/>
+                </a:solidFill>
+              </a:rPr>
+              <a:t>$ git mv  &lt;src&gt;  &lt;des&gt;</a:t>
+            </a:r>
+          </a:p>
+          <a:p>
+            <a:pPr marL="742950" lvl="2" indent="-342900"/>
+            <a:r>
+              <a:rPr lang="en-US" altLang="zh-CN" sz="1400" b="1" dirty="0" smtClean="0">
+                <a:solidFill>
+                  <a:schemeClr val="accent2"/>
+                </a:solidFill>
+              </a:rPr>
+              <a:t>mv  &lt;src&gt;  &lt;des&gt;</a:t>
+            </a:r>
+          </a:p>
+          <a:p>
+            <a:pPr marL="742950" lvl="2" indent="-342900"/>
+            <a:r>
+              <a:rPr lang="en-US" altLang="zh-CN" sz="1400" b="1" dirty="0" smtClean="0">
+                <a:solidFill>
+                  <a:schemeClr val="accent2"/>
+                </a:solidFill>
+              </a:rPr>
+              <a:t>git   rm   &lt;src&gt;</a:t>
+            </a:r>
+          </a:p>
+          <a:p>
+            <a:pPr marL="742950" lvl="2" indent="-342900"/>
+            <a:r>
+              <a:rPr lang="en-US" altLang="zh-CN" sz="1400" b="1" dirty="0" smtClean="0">
+                <a:solidFill>
+                  <a:schemeClr val="accent2"/>
+                </a:solidFill>
+              </a:rPr>
+              <a:t>git   add   &lt;des&gt;</a:t>
+            </a:r>
+          </a:p>
+        </p:txBody>
+      </p:sp>
+    </p:spTree>
+  </p:cSld>
+  <p:clrMapOvr>
+    <a:masterClrMapping/>
+  </p:clrMapOvr>
+</p:sld>
+</file>
+
+<file path=ppt/slides/slide24.xml><?xml version="1.0" encoding="utf-8"?>
+<p:sld xmlns:a="http://schemas.openxmlformats.org/drawingml/2006/main" xmlns:r="http://schemas.openxmlformats.org/officeDocument/2006/relationships" xmlns:p="http://schemas.openxmlformats.org/presentationml/2006/main">
+  <p:cSld>
+    <p:spTree>
+      <p:nvGrpSpPr>
+        <p:cNvPr id="1" name=""/>
+        <p:cNvGrpSpPr/>
+        <p:nvPr/>
+      </p:nvGrpSpPr>
+      <p:grpSpPr>
+        <a:xfrm>
+          <a:off x="0" y="0"/>
+          <a:ext cx="0" cy="0"/>
+          <a:chOff x="0" y="0"/>
+          <a:chExt cx="0" cy="0"/>
+        </a:xfrm>
+      </p:grpSpPr>
+      <p:sp>
+        <p:nvSpPr>
+          <p:cNvPr id="2" name="标题 1"/>
+          <p:cNvSpPr>
+            <a:spLocks noGrp="1"/>
+          </p:cNvSpPr>
+          <p:nvPr>
+            <p:ph type="title"/>
+          </p:nvPr>
+        </p:nvSpPr>
+        <p:spPr/>
+        <p:txBody>
+          <a:bodyPr>
+            <a:normAutofit/>
+          </a:bodyPr>
+          <a:lstStyle/>
+          <a:p>
+            <a:pPr algn="l"/>
+            <a:r>
+              <a:rPr lang="en-US" altLang="zh-CN" dirty="0" smtClean="0">
+                <a:solidFill>
+                  <a:schemeClr val="tx2">
+                    <a:lumMod val="75000"/>
+                  </a:schemeClr>
+                </a:solidFill>
+              </a:rPr>
+              <a:t>git basic commands - </a:t>
+            </a:r>
+            <a:r>
+              <a:rPr lang="en-US" altLang="zh-CN" b="1" dirty="0" smtClean="0">
+                <a:solidFill>
+                  <a:schemeClr val="accent2"/>
+                </a:solidFill>
+              </a:rPr>
+              <a:t>$ git tag</a:t>
+            </a:r>
+            <a:endParaRPr lang="zh-CN" altLang="en-US" dirty="0">
+              <a:solidFill>
+                <a:schemeClr val="tx2">
+                  <a:lumMod val="75000"/>
+                </a:schemeClr>
+              </a:solidFill>
+            </a:endParaRPr>
+          </a:p>
+        </p:txBody>
+      </p:sp>
+      <p:sp>
+        <p:nvSpPr>
+          <p:cNvPr id="3" name="内容占位符 2"/>
+          <p:cNvSpPr>
+            <a:spLocks noGrp="1"/>
+          </p:cNvSpPr>
+          <p:nvPr>
+            <p:ph idx="1"/>
+          </p:nvPr>
+        </p:nvSpPr>
+        <p:spPr/>
+        <p:txBody>
+          <a:bodyPr>
+            <a:normAutofit/>
+          </a:bodyPr>
+          <a:lstStyle/>
+          <a:p>
+            <a:r>
+              <a:rPr lang="en-US" altLang="zh-CN" sz="1800" b="1" dirty="0" smtClean="0">
+                <a:solidFill>
+                  <a:schemeClr val="accent2"/>
+                </a:solidFill>
+              </a:rPr>
+              <a:t>$ git tag</a:t>
+            </a:r>
+            <a:endParaRPr lang="en-US" altLang="zh-CN" sz="1800" dirty="0" smtClean="0">
+              <a:solidFill>
+                <a:schemeClr val="accent1"/>
+              </a:solidFill>
+            </a:endParaRPr>
+          </a:p>
+          <a:p>
+            <a:pPr lvl="1"/>
+            <a:r>
+              <a:rPr lang="en-US" altLang="zh-CN" sz="1400" b="1" dirty="0" smtClean="0">
+                <a:solidFill>
+                  <a:schemeClr val="accent2"/>
+                </a:solidFill>
+              </a:rPr>
+              <a:t>-l   ‘tag-name’</a:t>
+            </a:r>
+          </a:p>
+          <a:p>
+            <a:pPr lvl="1"/>
+            <a:r>
+              <a:rPr lang="en-US" altLang="zh-CN" sz="1400" b="1" dirty="0" smtClean="0">
+                <a:solidFill>
+                  <a:schemeClr val="accent2"/>
+                </a:solidFill>
+              </a:rPr>
+              <a:t>-a  [tag-name]   -m   “tag-</a:t>
+            </a:r>
+            <a:r>
+              <a:rPr lang="en-US" altLang="zh-CN" sz="1400" b="1" dirty="0" err="1" smtClean="0">
+                <a:solidFill>
+                  <a:schemeClr val="accent2"/>
+                </a:solidFill>
+              </a:rPr>
+              <a:t>msg</a:t>
+            </a:r>
+            <a:r>
+              <a:rPr lang="en-US" altLang="zh-CN" sz="1400" b="1" dirty="0" smtClean="0">
+                <a:solidFill>
+                  <a:schemeClr val="accent2"/>
+                </a:solidFill>
+              </a:rPr>
+              <a:t>”</a:t>
+            </a:r>
+          </a:p>
+          <a:p>
+            <a:pPr lvl="1"/>
+            <a:r>
+              <a:rPr lang="en-US" altLang="zh-CN" sz="1400" b="1" dirty="0" smtClean="0">
+                <a:solidFill>
+                  <a:schemeClr val="accent2"/>
+                </a:solidFill>
+              </a:rPr>
+              <a:t>$ git show [tag-name]</a:t>
+            </a:r>
+          </a:p>
+          <a:p>
+            <a:pPr lvl="1"/>
+            <a:r>
+              <a:rPr lang="en-US" altLang="zh-CN" sz="1400" b="1" dirty="0" smtClean="0">
+                <a:solidFill>
+                  <a:schemeClr val="accent2"/>
+                </a:solidFill>
+              </a:rPr>
+              <a:t>-d</a:t>
+            </a:r>
+          </a:p>
+          <a:p>
+            <a:pPr lvl="1"/>
+            <a:r>
+              <a:rPr lang="en-US" altLang="zh-CN" sz="1400" b="1" dirty="0" smtClean="0">
+                <a:solidFill>
+                  <a:schemeClr val="accent2"/>
+                </a:solidFill>
+              </a:rPr>
+              <a:t>$ git push origin  --tags</a:t>
+            </a:r>
+          </a:p>
+          <a:p>
+            <a:pPr lvl="1"/>
+            <a:r>
+              <a:rPr lang="en-US" altLang="zh-CN" sz="1400" b="1" dirty="0" smtClean="0">
+                <a:solidFill>
+                  <a:schemeClr val="accent2"/>
+                </a:solidFill>
+              </a:rPr>
+              <a:t>$ git push origin [tag-name]</a:t>
+            </a:r>
+          </a:p>
+          <a:p>
+            <a:pPr marL="342900" lvl="1" indent="-342900">
+              <a:buNone/>
+            </a:pPr>
+            <a:endParaRPr lang="en-US" altLang="zh-CN" sz="1800" b="1" dirty="0" smtClean="0">
+              <a:solidFill>
+                <a:schemeClr val="accent2"/>
+              </a:solidFill>
+            </a:endParaRPr>
+          </a:p>
+          <a:p>
+            <a:pPr marL="342900" lvl="1" indent="-342900">
+              <a:buFont typeface="Arial" pitchFamily="34" charset="0"/>
+              <a:buChar char="•"/>
+            </a:pPr>
+            <a:endParaRPr lang="en-US" altLang="zh-CN" sz="1800" b="1" dirty="0" smtClean="0">
+              <a:solidFill>
+                <a:schemeClr val="accent2"/>
+              </a:solidFill>
+            </a:endParaRPr>
+          </a:p>
+        </p:txBody>
+      </p:sp>
+    </p:spTree>
+  </p:cSld>
+  <p:clrMapOvr>
+    <a:masterClrMapping/>
+  </p:clrMapOvr>
+</p:sld>
+</file>
+
+<file path=ppt/slides/slide25.xml><?xml version="1.0" encoding="utf-8"?>
+<p:sld xmlns:a="http://schemas.openxmlformats.org/drawingml/2006/main" xmlns:r="http://schemas.openxmlformats.org/officeDocument/2006/relationships" xmlns:p="http://schemas.openxmlformats.org/presentationml/2006/main">
+  <p:cSld>
+    <p:spTree>
+      <p:nvGrpSpPr>
+        <p:cNvPr id="1" name=""/>
+        <p:cNvGrpSpPr/>
+        <p:nvPr/>
+      </p:nvGrpSpPr>
+      <p:grpSpPr>
+        <a:xfrm>
+          <a:off x="0" y="0"/>
+          <a:ext cx="0" cy="0"/>
+          <a:chOff x="0" y="0"/>
+          <a:chExt cx="0" cy="0"/>
+        </a:xfrm>
+      </p:grpSpPr>
+      <p:sp>
+        <p:nvSpPr>
+          <p:cNvPr id="2" name="标题 1"/>
+          <p:cNvSpPr>
+            <a:spLocks noGrp="1"/>
+          </p:cNvSpPr>
+          <p:nvPr>
+            <p:ph type="title"/>
+          </p:nvPr>
+        </p:nvSpPr>
+        <p:spPr/>
+        <p:txBody>
+          <a:bodyPr>
+            <a:normAutofit/>
+          </a:bodyPr>
+          <a:lstStyle/>
+          <a:p>
+            <a:pPr algn="l"/>
+            <a:r>
+              <a:rPr lang="en-US" altLang="zh-CN" dirty="0" smtClean="0">
+                <a:solidFill>
+                  <a:schemeClr val="tx2">
+                    <a:lumMod val="75000"/>
+                  </a:schemeClr>
+                </a:solidFill>
+              </a:rPr>
+              <a:t>git basic commands - </a:t>
+            </a:r>
+            <a:r>
+              <a:rPr lang="en-US" altLang="zh-CN" b="1" dirty="0" smtClean="0">
+                <a:solidFill>
+                  <a:schemeClr val="accent2"/>
+                </a:solidFill>
+              </a:rPr>
+              <a:t>$ git remote</a:t>
+            </a:r>
+            <a:endParaRPr lang="zh-CN" altLang="en-US" dirty="0">
+              <a:solidFill>
+                <a:schemeClr val="tx2">
+                  <a:lumMod val="75000"/>
+                </a:schemeClr>
+              </a:solidFill>
+            </a:endParaRPr>
+          </a:p>
+        </p:txBody>
+      </p:sp>
+      <p:sp>
+        <p:nvSpPr>
+          <p:cNvPr id="3" name="内容占位符 2"/>
+          <p:cNvSpPr>
+            <a:spLocks noGrp="1"/>
+          </p:cNvSpPr>
+          <p:nvPr>
+            <p:ph idx="1"/>
+          </p:nvPr>
+        </p:nvSpPr>
+        <p:spPr/>
+        <p:txBody>
+          <a:bodyPr>
+            <a:normAutofit/>
+          </a:bodyPr>
+          <a:lstStyle/>
+          <a:p>
+            <a:r>
+              <a:rPr lang="en-US" altLang="zh-CN" sz="1800" b="1" dirty="0" smtClean="0">
+                <a:solidFill>
+                  <a:schemeClr val="accent2"/>
+                </a:solidFill>
+              </a:rPr>
+              <a:t>$ git remote</a:t>
+            </a:r>
+          </a:p>
+          <a:p>
+            <a:pPr lvl="1"/>
+            <a:r>
+              <a:rPr lang="en-US" altLang="zh-CN" sz="1400" b="1" dirty="0" smtClean="0">
+                <a:solidFill>
+                  <a:schemeClr val="accent2"/>
+                </a:solidFill>
+              </a:rPr>
+              <a:t>-v</a:t>
+            </a:r>
+          </a:p>
+          <a:p>
+            <a:pPr lvl="1"/>
+            <a:r>
+              <a:rPr lang="en-US" altLang="zh-CN" sz="1400" b="1" dirty="0" smtClean="0">
+                <a:solidFill>
+                  <a:schemeClr val="accent2"/>
+                </a:solidFill>
+              </a:rPr>
+              <a:t>add  [remote-name]  [url]</a:t>
+            </a:r>
+          </a:p>
+          <a:p>
+            <a:pPr lvl="1"/>
+            <a:r>
+              <a:rPr lang="en-US" altLang="zh-CN" sz="1400" b="1" dirty="0" smtClean="0">
+                <a:solidFill>
+                  <a:schemeClr val="accent2"/>
+                </a:solidFill>
+              </a:rPr>
+              <a:t>show [remote-name]</a:t>
+            </a:r>
+          </a:p>
+          <a:p>
+            <a:pPr lvl="1"/>
+            <a:r>
+              <a:rPr lang="en-US" altLang="zh-CN" sz="1400" b="1" dirty="0" smtClean="0">
+                <a:solidFill>
+                  <a:schemeClr val="accent2"/>
+                </a:solidFill>
+              </a:rPr>
+              <a:t>rename  [old-remote-name]   [new-remote-name]</a:t>
+            </a:r>
+          </a:p>
+          <a:p>
+            <a:pPr lvl="1"/>
+            <a:r>
+              <a:rPr lang="en-US" altLang="zh-CN" sz="1400" b="1" dirty="0" smtClean="0">
+                <a:solidFill>
+                  <a:schemeClr val="accent2"/>
+                </a:solidFill>
+              </a:rPr>
+              <a:t>rm  [remote-name]</a:t>
+            </a:r>
+          </a:p>
+          <a:p>
+            <a:pPr marL="342900" lvl="1" indent="-342900">
+              <a:buFont typeface="Arial" pitchFamily="34" charset="0"/>
+              <a:buChar char="•"/>
+            </a:pPr>
+            <a:endParaRPr lang="en-US" altLang="zh-CN" sz="1800" b="1" dirty="0" smtClean="0">
+              <a:solidFill>
+                <a:schemeClr val="accent2"/>
+              </a:solidFill>
+            </a:endParaRPr>
+          </a:p>
+        </p:txBody>
+      </p:sp>
+    </p:spTree>
+  </p:cSld>
+  <p:clrMapOvr>
+    <a:masterClrMapping/>
+  </p:clrMapOvr>
+</p:sld>
+</file>
+
+<file path=ppt/slides/slide26.xml><?xml version="1.0" encoding="utf-8"?>
+<p:sld xmlns:a="http://schemas.openxmlformats.org/drawingml/2006/main" xmlns:r="http://schemas.openxmlformats.org/officeDocument/2006/relationships" xmlns:p="http://schemas.openxmlformats.org/presentationml/2006/main">
+  <p:cSld>
+    <p:spTree>
+      <p:nvGrpSpPr>
+        <p:cNvPr id="1" name=""/>
+        <p:cNvGrpSpPr/>
+        <p:nvPr/>
+      </p:nvGrpSpPr>
+      <p:grpSpPr>
+        <a:xfrm>
+          <a:off x="0" y="0"/>
+          <a:ext cx="0" cy="0"/>
+          <a:chOff x="0" y="0"/>
+          <a:chExt cx="0" cy="0"/>
+        </a:xfrm>
+      </p:grpSpPr>
+      <p:sp>
+        <p:nvSpPr>
+          <p:cNvPr id="2" name="标题 1"/>
+          <p:cNvSpPr>
+            <a:spLocks noGrp="1"/>
+          </p:cNvSpPr>
+          <p:nvPr>
+            <p:ph type="title"/>
+          </p:nvPr>
+        </p:nvSpPr>
+        <p:spPr/>
+        <p:txBody>
+          <a:bodyPr>
+            <a:normAutofit/>
+          </a:bodyPr>
+          <a:lstStyle/>
+          <a:p>
+            <a:pPr algn="l"/>
+            <a:r>
+              <a:rPr lang="en-US" altLang="zh-CN" dirty="0" smtClean="0">
+                <a:solidFill>
+                  <a:schemeClr val="tx2">
+                    <a:lumMod val="75000"/>
+                  </a:schemeClr>
+                </a:solidFill>
+              </a:rPr>
+              <a:t>git basic commands - </a:t>
+            </a:r>
+            <a:r>
+              <a:rPr lang="en-US" altLang="zh-CN" b="1" dirty="0" smtClean="0">
+                <a:solidFill>
+                  <a:schemeClr val="accent2"/>
+                </a:solidFill>
+              </a:rPr>
+              <a:t>$ git fetch</a:t>
+            </a:r>
+            <a:endParaRPr lang="zh-CN" altLang="en-US" dirty="0">
+              <a:solidFill>
+                <a:schemeClr val="tx2">
+                  <a:lumMod val="75000"/>
+                </a:schemeClr>
+              </a:solidFill>
+            </a:endParaRPr>
+          </a:p>
+        </p:txBody>
+      </p:sp>
+      <p:sp>
+        <p:nvSpPr>
+          <p:cNvPr id="3" name="内容占位符 2"/>
+          <p:cNvSpPr>
+            <a:spLocks noGrp="1"/>
+          </p:cNvSpPr>
+          <p:nvPr>
+            <p:ph idx="1"/>
+          </p:nvPr>
+        </p:nvSpPr>
+        <p:spPr>
+          <a:xfrm>
+            <a:off x="457200" y="1600201"/>
+            <a:ext cx="8229600" cy="1257296"/>
+          </a:xfrm>
+        </p:spPr>
+        <p:txBody>
+          <a:bodyPr>
+            <a:normAutofit/>
+          </a:bodyPr>
+          <a:lstStyle/>
+          <a:p>
+            <a:r>
+              <a:rPr lang="en-US" altLang="zh-CN" sz="1800" b="1" dirty="0" smtClean="0">
+                <a:solidFill>
+                  <a:schemeClr val="accent2"/>
+                </a:solidFill>
+              </a:rPr>
+              <a:t>$ git fetch [remote-name]   [remote-branch-name]</a:t>
+            </a:r>
+          </a:p>
+          <a:p>
+            <a:pPr marL="342900" lvl="1" indent="-342900">
+              <a:buFont typeface="Arial" pitchFamily="34" charset="0"/>
+              <a:buChar char="•"/>
+            </a:pPr>
+            <a:endParaRPr lang="en-US" altLang="zh-CN" sz="1800" b="1" dirty="0" smtClean="0">
+              <a:solidFill>
+                <a:schemeClr val="accent2"/>
+              </a:solidFill>
+            </a:endParaRPr>
+          </a:p>
+        </p:txBody>
+      </p:sp>
+      <p:sp>
+        <p:nvSpPr>
+          <p:cNvPr id="4" name="标题 1"/>
+          <p:cNvSpPr txBox="1">
+            <a:spLocks/>
+          </p:cNvSpPr>
+          <p:nvPr/>
+        </p:nvSpPr>
+        <p:spPr>
+          <a:xfrm>
+            <a:off x="485804" y="2786058"/>
+            <a:ext cx="8229600" cy="1143000"/>
+          </a:xfrm>
+          <a:prstGeom prst="rect">
+            <a:avLst/>
+          </a:prstGeom>
+        </p:spPr>
+        <p:txBody>
+          <a:bodyPr vert="horz" lIns="91440" tIns="45720" rIns="91440" bIns="45720" rtlCol="0" anchor="ctr">
+            <a:normAutofit/>
+          </a:bodyPr>
+          <a:lstStyle/>
+          <a:p>
+            <a:pPr marL="0" marR="0" lvl="0" indent="0" algn="l" defTabSz="914400" rtl="0" eaLnBrk="1" fontAlgn="auto" latinLnBrk="0" hangingPunct="1">
+              <a:lnSpc>
+                <a:spcPct val="100000"/>
+              </a:lnSpc>
+              <a:spcBef>
+                <a:spcPct val="0"/>
+              </a:spcBef>
+              <a:spcAft>
+                <a:spcPts val="0"/>
+              </a:spcAft>
+              <a:buClrTx/>
+              <a:buSzTx/>
+              <a:buFontTx/>
+              <a:buNone/>
+              <a:tabLst/>
+              <a:defRPr/>
+            </a:pPr>
+            <a:r>
+              <a:rPr kumimoji="0" lang="en-US" altLang="zh-CN" sz="4400" b="0" i="0" u="none" strike="noStrike" kern="1200" cap="none" spc="0" normalizeH="0" baseline="0" noProof="0" dirty="0" smtClean="0">
+                <a:ln>
+                  <a:noFill/>
+                </a:ln>
+                <a:solidFill>
+                  <a:schemeClr val="tx2">
+                    <a:lumMod val="75000"/>
+                  </a:schemeClr>
+                </a:solidFill>
+                <a:effectLst/>
+                <a:uLnTx/>
+                <a:uFillTx/>
+                <a:latin typeface="+mj-lt"/>
+                <a:ea typeface="+mj-ea"/>
+                <a:cs typeface="+mj-cs"/>
+              </a:rPr>
+              <a:t>git basic commands - </a:t>
+            </a:r>
+            <a:r>
+              <a:rPr kumimoji="0" lang="en-US" altLang="zh-CN" sz="4400" b="1" i="0" u="none" strike="noStrike" kern="1200" cap="none" spc="0" normalizeH="0" baseline="0" noProof="0" dirty="0" smtClean="0">
+                <a:ln>
+                  <a:noFill/>
+                </a:ln>
+                <a:solidFill>
+                  <a:schemeClr val="accent2"/>
+                </a:solidFill>
+                <a:effectLst/>
+                <a:uLnTx/>
+                <a:uFillTx/>
+                <a:latin typeface="+mj-lt"/>
+                <a:ea typeface="+mj-ea"/>
+                <a:cs typeface="+mj-cs"/>
+              </a:rPr>
+              <a:t>$ git pull</a:t>
+            </a:r>
+            <a:endParaRPr kumimoji="0" lang="zh-CN" altLang="en-US" sz="4400" b="0" i="0" u="none" strike="noStrike" kern="1200" cap="none" spc="0" normalizeH="0" baseline="0" noProof="0" dirty="0">
+              <a:ln>
+                <a:noFill/>
+              </a:ln>
+              <a:solidFill>
+                <a:schemeClr val="tx2">
+                  <a:lumMod val="75000"/>
+                </a:schemeClr>
+              </a:solidFill>
+              <a:effectLst/>
+              <a:uLnTx/>
+              <a:uFillTx/>
+              <a:latin typeface="+mj-lt"/>
+              <a:ea typeface="+mj-ea"/>
+              <a:cs typeface="+mj-cs"/>
+            </a:endParaRPr>
+          </a:p>
+        </p:txBody>
+      </p:sp>
+      <p:sp>
+        <p:nvSpPr>
+          <p:cNvPr id="5" name="内容占位符 2"/>
+          <p:cNvSpPr txBox="1">
+            <a:spLocks/>
+          </p:cNvSpPr>
+          <p:nvPr/>
+        </p:nvSpPr>
+        <p:spPr>
+          <a:xfrm>
+            <a:off x="428596" y="3857628"/>
+            <a:ext cx="8229600" cy="1257296"/>
+          </a:xfrm>
+          <a:prstGeom prst="rect">
+            <a:avLst/>
+          </a:prstGeom>
+        </p:spPr>
+        <p:txBody>
+          <a:bodyPr vert="horz" lIns="91440" tIns="45720" rIns="91440" bIns="45720" rtlCol="0">
+            <a:normAutofit/>
+          </a:bodyPr>
+          <a:lstStyle/>
+          <a:p>
+            <a:pPr marL="342900" marR="0" lvl="0" indent="-342900" algn="l" defTabSz="914400" rtl="0" eaLnBrk="1" fontAlgn="auto" latinLnBrk="0" hangingPunct="1">
+              <a:lnSpc>
+                <a:spcPct val="100000"/>
+              </a:lnSpc>
+              <a:spcBef>
+                <a:spcPct val="20000"/>
+              </a:spcBef>
+              <a:spcAft>
+                <a:spcPts val="0"/>
+              </a:spcAft>
+              <a:buClrTx/>
+              <a:buSzTx/>
+              <a:buFont typeface="Arial" pitchFamily="34" charset="0"/>
+              <a:buChar char="•"/>
+              <a:tabLst/>
+              <a:defRPr/>
+            </a:pPr>
+            <a:r>
+              <a:rPr kumimoji="0" lang="en-US" altLang="zh-CN" sz="1800" b="1" i="0" u="none" strike="noStrike" kern="1200" cap="none" spc="0" normalizeH="0" baseline="0" noProof="0" dirty="0" smtClean="0">
+                <a:ln>
+                  <a:noFill/>
+                </a:ln>
+                <a:solidFill>
+                  <a:schemeClr val="accent2"/>
+                </a:solidFill>
+                <a:effectLst/>
+                <a:uLnTx/>
+                <a:uFillTx/>
+                <a:latin typeface="+mn-lt"/>
+                <a:ea typeface="+mn-ea"/>
+                <a:cs typeface="+mn-cs"/>
+              </a:rPr>
+              <a:t>$ git pull  [remote-name]   [remote-branch-name]</a:t>
+            </a:r>
+          </a:p>
+          <a:p>
+            <a:pPr marL="342900" marR="0" lvl="1" indent="-342900" algn="l" defTabSz="914400" rtl="0" eaLnBrk="1" fontAlgn="auto" latinLnBrk="0" hangingPunct="1">
+              <a:lnSpc>
+                <a:spcPct val="100000"/>
+              </a:lnSpc>
+              <a:spcBef>
+                <a:spcPct val="20000"/>
+              </a:spcBef>
+              <a:spcAft>
+                <a:spcPts val="0"/>
+              </a:spcAft>
+              <a:buClrTx/>
+              <a:buSzTx/>
+              <a:buFont typeface="Arial" pitchFamily="34" charset="0"/>
+              <a:buChar char="•"/>
+              <a:tabLst/>
+              <a:defRPr/>
+            </a:pPr>
+            <a:endParaRPr kumimoji="0" lang="en-US" altLang="zh-CN" sz="1800" b="1" i="0" u="none" strike="noStrike" kern="1200" cap="none" spc="0" normalizeH="0" baseline="0" noProof="0" dirty="0" smtClean="0">
+              <a:ln>
+                <a:noFill/>
+              </a:ln>
+              <a:solidFill>
+                <a:schemeClr val="accent2"/>
+              </a:solidFill>
+              <a:effectLst/>
+              <a:uLnTx/>
+              <a:uFillTx/>
+              <a:latin typeface="+mn-lt"/>
+              <a:ea typeface="+mn-ea"/>
+              <a:cs typeface="+mn-cs"/>
+            </a:endParaRPr>
+          </a:p>
+        </p:txBody>
+      </p:sp>
+    </p:spTree>
+  </p:cSld>
+  <p:clrMapOvr>
+    <a:masterClrMapping/>
+  </p:clrMapOvr>
+</p:sld>
+</file>
+
+<file path=ppt/slides/slide27.xml><?xml version="1.0" encoding="utf-8"?>
+<p:sld xmlns:a="http://schemas.openxmlformats.org/drawingml/2006/main" xmlns:r="http://schemas.openxmlformats.org/officeDocument/2006/relationships" xmlns:p="http://schemas.openxmlformats.org/presentationml/2006/main">
+  <p:cSld>
+    <p:spTree>
+      <p:nvGrpSpPr>
+        <p:cNvPr id="1" name=""/>
+        <p:cNvGrpSpPr/>
+        <p:nvPr/>
+      </p:nvGrpSpPr>
+      <p:grpSpPr>
+        <a:xfrm>
+          <a:off x="0" y="0"/>
+          <a:ext cx="0" cy="0"/>
+          <a:chOff x="0" y="0"/>
+          <a:chExt cx="0" cy="0"/>
+        </a:xfrm>
+      </p:grpSpPr>
+      <p:sp>
+        <p:nvSpPr>
+          <p:cNvPr id="2" name="标题 1"/>
+          <p:cNvSpPr>
+            <a:spLocks noGrp="1"/>
+          </p:cNvSpPr>
+          <p:nvPr>
+            <p:ph type="title"/>
+          </p:nvPr>
+        </p:nvSpPr>
+        <p:spPr/>
+        <p:txBody>
+          <a:bodyPr>
+            <a:normAutofit/>
+          </a:bodyPr>
+          <a:lstStyle/>
+          <a:p>
+            <a:pPr algn="l"/>
+            <a:r>
+              <a:rPr lang="en-US" altLang="zh-CN" dirty="0" smtClean="0">
+                <a:solidFill>
+                  <a:schemeClr val="tx2">
+                    <a:lumMod val="75000"/>
+                  </a:schemeClr>
+                </a:solidFill>
+              </a:rPr>
+              <a:t>git basic commands - </a:t>
+            </a:r>
+            <a:r>
+              <a:rPr lang="en-US" altLang="zh-CN" b="1" dirty="0" smtClean="0">
+                <a:solidFill>
+                  <a:schemeClr val="accent2"/>
+                </a:solidFill>
+              </a:rPr>
+              <a:t>$ git push</a:t>
+            </a:r>
+            <a:endParaRPr lang="zh-CN" altLang="en-US" dirty="0">
+              <a:solidFill>
+                <a:schemeClr val="tx2">
+                  <a:lumMod val="75000"/>
+                </a:schemeClr>
+              </a:solidFill>
+            </a:endParaRPr>
+          </a:p>
+        </p:txBody>
+      </p:sp>
+      <p:sp>
+        <p:nvSpPr>
+          <p:cNvPr id="3" name="内容占位符 2"/>
+          <p:cNvSpPr>
+            <a:spLocks noGrp="1"/>
+          </p:cNvSpPr>
+          <p:nvPr>
+            <p:ph idx="1"/>
+          </p:nvPr>
+        </p:nvSpPr>
+        <p:spPr>
+          <a:xfrm>
+            <a:off x="457200" y="1600200"/>
+            <a:ext cx="8229600" cy="4614881"/>
+          </a:xfrm>
+        </p:spPr>
+        <p:txBody>
+          <a:bodyPr>
+            <a:normAutofit/>
+          </a:bodyPr>
+          <a:lstStyle/>
+          <a:p>
+            <a:r>
+              <a:rPr lang="en-US" altLang="zh-CN" sz="1800" b="1" dirty="0" smtClean="0">
+                <a:solidFill>
+                  <a:schemeClr val="accent2"/>
+                </a:solidFill>
+              </a:rPr>
+              <a:t>$ git push [remote-name]</a:t>
+            </a:r>
+          </a:p>
+          <a:p>
+            <a:pPr lvl="1"/>
+            <a:r>
+              <a:rPr lang="en-US" altLang="zh-CN" sz="1400" b="1" dirty="0" smtClean="0">
+                <a:solidFill>
+                  <a:schemeClr val="accent2"/>
+                </a:solidFill>
+              </a:rPr>
+              <a:t>[local-branch-name]:[remote-branch-name]</a:t>
+            </a:r>
+          </a:p>
+          <a:p>
+            <a:pPr lvl="1"/>
+            <a:r>
+              <a:rPr lang="en-US" altLang="zh-CN" sz="1400" b="1" dirty="0" smtClean="0">
+                <a:solidFill>
+                  <a:schemeClr val="accent2"/>
+                </a:solidFill>
+              </a:rPr>
+              <a:t>:[remote-branch-name]</a:t>
+            </a:r>
+          </a:p>
+          <a:p>
+            <a:pPr lvl="1"/>
+            <a:r>
+              <a:rPr lang="en-US" altLang="zh-CN" sz="1400" b="1" dirty="0" smtClean="0">
+                <a:solidFill>
+                  <a:schemeClr val="accent2"/>
+                </a:solidFill>
+              </a:rPr>
+              <a:t>--delete [remote-branch-name]</a:t>
+            </a:r>
+          </a:p>
+          <a:p>
+            <a:pPr lvl="1"/>
+            <a:r>
+              <a:rPr lang="en-US" altLang="zh-CN" sz="1400" b="1" dirty="0" smtClean="0">
+                <a:solidFill>
+                  <a:schemeClr val="accent2"/>
+                </a:solidFill>
+              </a:rPr>
+              <a:t>--tags</a:t>
+            </a:r>
+          </a:p>
+          <a:p>
+            <a:pPr lvl="1"/>
+            <a:r>
+              <a:rPr lang="en-US" altLang="zh-CN" sz="1400" b="1" dirty="0" smtClean="0">
+                <a:solidFill>
+                  <a:schemeClr val="accent2"/>
+                </a:solidFill>
+              </a:rPr>
+              <a:t>[tag-name]</a:t>
+            </a:r>
+          </a:p>
+          <a:p>
+            <a:pPr lvl="1"/>
+            <a:r>
+              <a:rPr lang="en-US" altLang="zh-CN" sz="1400" b="1" dirty="0" smtClean="0">
+                <a:solidFill>
+                  <a:schemeClr val="accent2"/>
+                </a:solidFill>
+              </a:rPr>
+              <a:t>--receive-pack=‘git receive-pack --reviewer </a:t>
+            </a:r>
+            <a:r>
+              <a:rPr lang="en-US" altLang="zh-CN" sz="1400" b="1" dirty="0" err="1" smtClean="0">
+                <a:solidFill>
+                  <a:schemeClr val="accent2"/>
+                </a:solidFill>
+              </a:rPr>
+              <a:t>reviewer</a:t>
+            </a:r>
+            <a:r>
+              <a:rPr lang="en-US" altLang="zh-CN" sz="1400" b="1" dirty="0" smtClean="0">
+                <a:solidFill>
+                  <a:schemeClr val="accent2"/>
+                </a:solidFill>
+              </a:rPr>
+              <a:t>-name’</a:t>
+            </a:r>
+          </a:p>
+        </p:txBody>
+      </p:sp>
+    </p:spTree>
+  </p:cSld>
+  <p:clrMapOvr>
+    <a:masterClrMapping/>
+  </p:clrMapOvr>
+</p:sld>
+</file>
+
+<file path=ppt/slides/slide28.xml><?xml version="1.0" encoding="utf-8"?>
+<p:sld xmlns:a="http://schemas.openxmlformats.org/drawingml/2006/main" xmlns:r="http://schemas.openxmlformats.org/officeDocument/2006/relationships" xmlns:p="http://schemas.openxmlformats.org/presentationml/2006/main">
+  <p:cSld>
+    <p:spTree>
+      <p:nvGrpSpPr>
+        <p:cNvPr id="1" name=""/>
+        <p:cNvGrpSpPr/>
+        <p:nvPr/>
+      </p:nvGrpSpPr>
+      <p:grpSpPr>
+        <a:xfrm>
+          <a:off x="0" y="0"/>
+          <a:ext cx="0" cy="0"/>
+          <a:chOff x="0" y="0"/>
+          <a:chExt cx="0" cy="0"/>
+        </a:xfrm>
+      </p:grpSpPr>
+      <p:sp>
+        <p:nvSpPr>
+          <p:cNvPr id="2" name="标题 1"/>
+          <p:cNvSpPr>
+            <a:spLocks noGrp="1"/>
+          </p:cNvSpPr>
+          <p:nvPr>
+            <p:ph type="title"/>
+          </p:nvPr>
+        </p:nvSpPr>
+        <p:spPr/>
+        <p:txBody>
+          <a:bodyPr>
+            <a:normAutofit/>
+          </a:bodyPr>
+          <a:lstStyle/>
+          <a:p>
+            <a:pPr algn="l"/>
+            <a:r>
+              <a:rPr lang="en-US" altLang="zh-CN" dirty="0" smtClean="0">
+                <a:solidFill>
+                  <a:schemeClr val="tx2">
+                    <a:lumMod val="75000"/>
+                  </a:schemeClr>
+                </a:solidFill>
+              </a:rPr>
+              <a:t>git basic commands - </a:t>
+            </a:r>
+            <a:r>
+              <a:rPr lang="en-US" altLang="zh-CN" b="1" dirty="0" smtClean="0">
+                <a:solidFill>
+                  <a:schemeClr val="tx2"/>
+                </a:solidFill>
+              </a:rPr>
+              <a:t>more</a:t>
+            </a:r>
+            <a:endParaRPr lang="zh-CN" altLang="en-US" dirty="0">
+              <a:solidFill>
+                <a:schemeClr val="tx2"/>
+              </a:solidFill>
+            </a:endParaRPr>
+          </a:p>
+        </p:txBody>
+      </p:sp>
+      <p:sp>
+        <p:nvSpPr>
+          <p:cNvPr id="3" name="内容占位符 2"/>
+          <p:cNvSpPr>
+            <a:spLocks noGrp="1"/>
+          </p:cNvSpPr>
+          <p:nvPr>
+            <p:ph idx="1"/>
+          </p:nvPr>
+        </p:nvSpPr>
+        <p:spPr>
+          <a:xfrm>
+            <a:off x="457200" y="1600200"/>
+            <a:ext cx="8229600" cy="4614881"/>
+          </a:xfrm>
+        </p:spPr>
+        <p:txBody>
+          <a:bodyPr>
+            <a:normAutofit/>
+          </a:bodyPr>
+          <a:lstStyle/>
+          <a:p>
+            <a:r>
+              <a:rPr lang="en-US" altLang="zh-CN" sz="1800" b="1" dirty="0" smtClean="0">
+                <a:solidFill>
+                  <a:schemeClr val="accent2"/>
+                </a:solidFill>
+              </a:rPr>
+              <a:t>$ git archive  [branch-name]  --prefix=‘project/’  --format=zip &gt; ’zip-</a:t>
+            </a:r>
+            <a:r>
+              <a:rPr lang="en-US" altLang="zh-CN" sz="1800" b="1" dirty="0" err="1" smtClean="0">
+                <a:solidFill>
+                  <a:schemeClr val="accent2"/>
+                </a:solidFill>
+              </a:rPr>
+              <a:t>name’.zip</a:t>
+            </a:r>
+            <a:endParaRPr lang="en-US" altLang="zh-CN" sz="1800" b="1" dirty="0" smtClean="0">
+              <a:solidFill>
+                <a:schemeClr val="accent2"/>
+              </a:solidFill>
+            </a:endParaRPr>
+          </a:p>
+          <a:p>
+            <a:r>
+              <a:rPr lang="en-US" altLang="zh-CN" sz="1800" b="1" dirty="0" smtClean="0">
+                <a:solidFill>
+                  <a:schemeClr val="accent2"/>
+                </a:solidFill>
+              </a:rPr>
+              <a:t>$ git archive  [branch-name]  --prefix=‘project/’  |  </a:t>
+            </a:r>
+            <a:r>
+              <a:rPr lang="en-US" altLang="zh-CN" sz="1800" b="1" dirty="0" err="1" smtClean="0">
+                <a:solidFill>
+                  <a:schemeClr val="accent2"/>
+                </a:solidFill>
+              </a:rPr>
+              <a:t>gzip</a:t>
+            </a:r>
+            <a:r>
+              <a:rPr lang="en-US" altLang="zh-CN" sz="1800" b="1" dirty="0" smtClean="0">
+                <a:solidFill>
+                  <a:schemeClr val="accent2"/>
+                </a:solidFill>
+              </a:rPr>
+              <a:t> &gt; ‘</a:t>
+            </a:r>
+            <a:r>
+              <a:rPr lang="en-US" altLang="zh-CN" sz="1800" b="1" dirty="0" err="1" smtClean="0">
+                <a:solidFill>
+                  <a:schemeClr val="accent2"/>
+                </a:solidFill>
+              </a:rPr>
+              <a:t>gz-name’.tar.gz</a:t>
+            </a:r>
+            <a:endParaRPr lang="en-US" altLang="zh-CN" sz="1800" b="1" dirty="0" smtClean="0">
+              <a:solidFill>
+                <a:schemeClr val="accent2"/>
+              </a:solidFill>
+            </a:endParaRPr>
+          </a:p>
+          <a:p>
+            <a:r>
+              <a:rPr lang="en-US" altLang="zh-CN" sz="1800" b="1" dirty="0" smtClean="0">
+                <a:solidFill>
+                  <a:schemeClr val="accent2"/>
+                </a:solidFill>
+              </a:rPr>
+              <a:t>$ git shortlog  &lt;--no-merges&gt;   [branch-name]</a:t>
+            </a:r>
+          </a:p>
+          <a:p>
+            <a:r>
+              <a:rPr lang="en-US" altLang="zh-CN" sz="1800" b="1" dirty="0" smtClean="0">
+                <a:solidFill>
+                  <a:schemeClr val="accent2"/>
+                </a:solidFill>
+              </a:rPr>
+              <a:t>$ git reflog</a:t>
+            </a:r>
+          </a:p>
+          <a:p>
+            <a:r>
+              <a:rPr lang="en-US" altLang="zh-CN" sz="1800" b="1" dirty="0" smtClean="0">
+                <a:solidFill>
+                  <a:schemeClr val="accent2"/>
+                </a:solidFill>
+              </a:rPr>
+              <a:t>$ git filter-branch --tree-filter  ‘rm -f [file-name]’  HEAD</a:t>
+            </a:r>
+          </a:p>
+          <a:p>
+            <a:r>
+              <a:rPr lang="en-US" altLang="zh-CN" sz="1800" b="1" dirty="0" smtClean="0">
+                <a:solidFill>
+                  <a:schemeClr val="accent2"/>
+                </a:solidFill>
+              </a:rPr>
+              <a:t>$ git blame  &lt;-L line1,line2&gt;  [file-name]</a:t>
+            </a:r>
+          </a:p>
+          <a:p>
+            <a:r>
+              <a:rPr lang="en-US" altLang="zh-CN" sz="1800" b="1" dirty="0" smtClean="0">
+                <a:solidFill>
+                  <a:schemeClr val="accent2"/>
+                </a:solidFill>
+              </a:rPr>
+              <a:t>$ git bisect start -&gt; bad -&gt; good -&gt; run testing -&gt; bad -&gt; run testing -&gt; good -&gt; reset</a:t>
+            </a:r>
+          </a:p>
+          <a:p>
+            <a:r>
+              <a:rPr lang="en-US" altLang="zh-CN" sz="1800" b="1" dirty="0" smtClean="0">
+                <a:solidFill>
+                  <a:schemeClr val="accent2"/>
+                </a:solidFill>
+              </a:rPr>
+              <a:t>$ git count-objects –v</a:t>
+            </a:r>
+          </a:p>
+          <a:p>
+            <a:r>
+              <a:rPr lang="en-US" altLang="zh-CN" sz="1800" b="1" dirty="0" smtClean="0">
+                <a:solidFill>
+                  <a:schemeClr val="accent2"/>
+                </a:solidFill>
+              </a:rPr>
+              <a:t>$ ssh -p [port]  [server] -l [user-account]  gerrit create-project –name [project-name]  --submit-type  CHERRY_PICK  --parent  [All-Projects]</a:t>
+            </a:r>
+          </a:p>
+        </p:txBody>
+      </p:sp>
+    </p:spTree>
+  </p:cSld>
+  <p:clrMapOvr>
+    <a:masterClrMapping/>
+  </p:clrMapOvr>
+</p:sld>
+</file>
+
+<file path=ppt/slides/slide29.xml><?xml version="1.0" encoding="utf-8"?>
+<p:sld xmlns:a="http://schemas.openxmlformats.org/drawingml/2006/main" xmlns:r="http://schemas.openxmlformats.org/officeDocument/2006/relationships" xmlns:p="http://schemas.openxmlformats.org/presentationml/2006/main">
+  <p:cSld>
+    <p:spTree>
+      <p:nvGrpSpPr>
+        <p:cNvPr id="1" name=""/>
+        <p:cNvGrpSpPr/>
+        <p:nvPr/>
+      </p:nvGrpSpPr>
+      <p:grpSpPr>
+        <a:xfrm>
+          <a:off x="0" y="0"/>
+          <a:ext cx="0" cy="0"/>
+          <a:chOff x="0" y="0"/>
+          <a:chExt cx="0" cy="0"/>
+        </a:xfrm>
+      </p:grpSpPr>
+      <p:sp>
+        <p:nvSpPr>
+          <p:cNvPr id="2" name="标题 1"/>
+          <p:cNvSpPr>
+            <a:spLocks noGrp="1"/>
+          </p:cNvSpPr>
+          <p:nvPr>
+            <p:ph type="title"/>
+          </p:nvPr>
+        </p:nvSpPr>
+        <p:spPr/>
+        <p:txBody>
+          <a:bodyPr>
+            <a:normAutofit/>
+          </a:bodyPr>
+          <a:lstStyle/>
+          <a:p>
+            <a:pPr algn="l"/>
+            <a:r>
+              <a:rPr lang="en-US" altLang="zh-CN" dirty="0" smtClean="0">
+                <a:solidFill>
+                  <a:schemeClr val="tx2">
+                    <a:lumMod val="75000"/>
+                  </a:schemeClr>
+                </a:solidFill>
+              </a:rPr>
+              <a:t>Q &amp; A</a:t>
+            </a:r>
+            <a:endParaRPr lang="zh-CN" altLang="en-US" dirty="0">
+              <a:solidFill>
+                <a:schemeClr val="tx2">
+                  <a:lumMod val="75000"/>
+                </a:schemeClr>
+              </a:solidFill>
+            </a:endParaRPr>
+          </a:p>
+        </p:txBody>
+      </p:sp>
+      <p:sp>
+        <p:nvSpPr>
+          <p:cNvPr id="3" name="内容占位符 2"/>
+          <p:cNvSpPr>
+            <a:spLocks noGrp="1"/>
+          </p:cNvSpPr>
+          <p:nvPr>
+            <p:ph idx="1"/>
+          </p:nvPr>
+        </p:nvSpPr>
+        <p:spPr/>
+        <p:txBody>
+          <a:bodyPr>
+            <a:normAutofit/>
+          </a:bodyPr>
+          <a:lstStyle/>
+          <a:p>
+            <a:pPr marL="342900" lvl="1" indent="-342900">
+              <a:buNone/>
+            </a:pPr>
+            <a:endParaRPr lang="en-US" altLang="zh-CN" sz="1800" b="1" dirty="0" smtClean="0">
+              <a:solidFill>
+                <a:schemeClr val="accent2"/>
+              </a:solidFill>
+            </a:endParaRPr>
+          </a:p>
+          <a:p>
+            <a:pPr marL="342900" lvl="1" indent="-342900">
+              <a:buFont typeface="Arial" pitchFamily="34" charset="0"/>
+              <a:buChar char="•"/>
+            </a:pPr>
+            <a:r>
+              <a:rPr lang="en-US" altLang="zh-CN" sz="1800" b="1" dirty="0" smtClean="0">
+                <a:solidFill>
+                  <a:schemeClr val="accent2"/>
+                </a:solidFill>
+              </a:rPr>
+              <a:t>http://blog.chinaunix.net/uid-27714502-id-3435772.html</a:t>
+            </a:r>
+          </a:p>
+        </p:txBody>
+      </p:sp>
+    </p:spTree>
+  </p:cSld>
+  <p:clrMapOvr>
+    <a:masterClrMapping/>
+  </p:clrMapOvr>
 </p:sld>
 </file>
 
@@ -7299,629 +10057,6 @@
           <a:chExt cx="0" cy="0"/>
         </a:xfrm>
       </p:grpSpPr>
-      <p:sp>
-        <p:nvSpPr>
-          <p:cNvPr id="2" name="标题 1"/>
-          <p:cNvSpPr>
-            <a:spLocks noGrp="1"/>
-          </p:cNvSpPr>
-          <p:nvPr>
-            <p:ph type="title"/>
-          </p:nvPr>
-        </p:nvSpPr>
-        <p:spPr/>
-        <p:txBody>
-          <a:bodyPr/>
-          <a:lstStyle/>
-          <a:p>
-            <a:pPr algn="l"/>
-            <a:r>
-              <a:rPr lang="en-US" altLang="zh-CN" dirty="0" smtClean="0">
-                <a:solidFill>
-                  <a:schemeClr val="tx2">
-                    <a:lumMod val="75000"/>
-                  </a:schemeClr>
-                </a:solidFill>
-              </a:rPr>
-              <a:t>What is </a:t>
-            </a:r>
-            <a:r>
-              <a:rPr lang="en-US" altLang="zh-CN" dirty="0" err="1" smtClean="0">
-                <a:solidFill>
-                  <a:schemeClr val="tx2">
-                    <a:lumMod val="75000"/>
-                  </a:schemeClr>
-                </a:solidFill>
-              </a:rPr>
-              <a:t>Git</a:t>
-            </a:r>
-            <a:r>
-              <a:rPr lang="en-US" altLang="zh-CN" dirty="0" smtClean="0">
-                <a:solidFill>
-                  <a:schemeClr val="tx2">
-                    <a:lumMod val="75000"/>
-                  </a:schemeClr>
-                </a:solidFill>
-              </a:rPr>
-              <a:t>?</a:t>
-            </a:r>
-            <a:endParaRPr lang="zh-CN" altLang="en-US" dirty="0">
-              <a:solidFill>
-                <a:schemeClr val="tx2">
-                  <a:lumMod val="75000"/>
-                </a:schemeClr>
-              </a:solidFill>
-            </a:endParaRPr>
-          </a:p>
-        </p:txBody>
-      </p:sp>
-      <p:sp>
-        <p:nvSpPr>
-          <p:cNvPr id="3" name="内容占位符 2"/>
-          <p:cNvSpPr>
-            <a:spLocks noGrp="1"/>
-          </p:cNvSpPr>
-          <p:nvPr>
-            <p:ph idx="1"/>
-          </p:nvPr>
-        </p:nvSpPr>
-        <p:spPr/>
-        <p:txBody>
-          <a:bodyPr>
-            <a:normAutofit/>
-          </a:bodyPr>
-          <a:lstStyle/>
-          <a:p>
-            <a:r>
-              <a:rPr lang="zh-CN" altLang="en-US" sz="1800" dirty="0" smtClean="0">
-                <a:solidFill>
-                  <a:schemeClr val="tx2">
-                    <a:lumMod val="60000"/>
-                    <a:lumOff val="40000"/>
-                  </a:schemeClr>
-                </a:solidFill>
-              </a:rPr>
-              <a:t>一个完全分布式的版本控制系统，是一个内容寻址文件系统</a:t>
-            </a:r>
-            <a:r>
-              <a:rPr lang="en-US" altLang="zh-CN" sz="1800" dirty="0" smtClean="0">
-                <a:solidFill>
-                  <a:schemeClr val="tx2">
-                    <a:lumMod val="60000"/>
-                    <a:lumOff val="40000"/>
-                  </a:schemeClr>
-                </a:solidFill>
-              </a:rPr>
-              <a:t>+VCS</a:t>
-            </a:r>
-            <a:r>
-              <a:rPr lang="zh-CN" altLang="en-US" sz="1800" dirty="0" smtClean="0">
-                <a:solidFill>
-                  <a:schemeClr val="tx2">
-                    <a:lumMod val="60000"/>
-                    <a:lumOff val="40000"/>
-                  </a:schemeClr>
-                </a:solidFill>
-              </a:rPr>
-              <a:t>用户界面。</a:t>
-            </a:r>
-            <a:endParaRPr lang="en-US" altLang="zh-CN" sz="1800" dirty="0" smtClean="0">
-              <a:solidFill>
-                <a:schemeClr val="tx2">
-                  <a:lumMod val="60000"/>
-                  <a:lumOff val="40000"/>
-                </a:schemeClr>
-              </a:solidFill>
-            </a:endParaRPr>
-          </a:p>
-          <a:p>
-            <a:r>
-              <a:rPr lang="en-US" altLang="zh-CN" sz="1800" dirty="0" smtClean="0">
-                <a:solidFill>
-                  <a:schemeClr val="tx2">
-                    <a:lumMod val="60000"/>
-                    <a:lumOff val="40000"/>
-                  </a:schemeClr>
-                </a:solidFill>
-              </a:rPr>
-              <a:t>Linux</a:t>
-            </a:r>
-            <a:r>
-              <a:rPr lang="zh-CN" altLang="en-US" sz="1800" dirty="0" smtClean="0">
-                <a:solidFill>
-                  <a:schemeClr val="tx2">
-                    <a:lumMod val="60000"/>
-                    <a:lumOff val="40000"/>
-                  </a:schemeClr>
-                </a:solidFill>
-              </a:rPr>
-              <a:t>内核开源社区设计开发，是为</a:t>
-            </a:r>
-            <a:r>
-              <a:rPr lang="en-US" altLang="zh-CN" sz="1800" dirty="0" smtClean="0">
-                <a:solidFill>
-                  <a:schemeClr val="tx2">
-                    <a:lumMod val="60000"/>
-                    <a:lumOff val="40000"/>
-                  </a:schemeClr>
-                </a:solidFill>
-              </a:rPr>
-              <a:t>Linux</a:t>
-            </a:r>
-            <a:r>
-              <a:rPr lang="zh-CN" altLang="en-US" sz="1800" dirty="0" smtClean="0">
-                <a:solidFill>
-                  <a:schemeClr val="tx2">
-                    <a:lumMod val="60000"/>
-                    <a:lumOff val="40000"/>
-                  </a:schemeClr>
-                </a:solidFill>
-              </a:rPr>
-              <a:t>系统内核开发设计的。所以非常具有</a:t>
-            </a:r>
-            <a:r>
-              <a:rPr lang="en-US" altLang="zh-CN" sz="1800" dirty="0" smtClean="0">
-                <a:solidFill>
-                  <a:schemeClr val="tx2">
-                    <a:lumMod val="60000"/>
-                    <a:lumOff val="40000"/>
-                  </a:schemeClr>
-                </a:solidFill>
-              </a:rPr>
-              <a:t>Linux</a:t>
-            </a:r>
-            <a:r>
-              <a:rPr lang="zh-CN" altLang="en-US" sz="1800" dirty="0" smtClean="0">
-                <a:solidFill>
-                  <a:schemeClr val="tx2">
-                    <a:lumMod val="60000"/>
-                    <a:lumOff val="40000"/>
-                  </a:schemeClr>
-                </a:solidFill>
-              </a:rPr>
-              <a:t>系统风格。</a:t>
-            </a:r>
-            <a:endParaRPr lang="en-US" altLang="zh-CN" sz="1800" dirty="0" smtClean="0">
-              <a:solidFill>
-                <a:schemeClr val="tx2">
-                  <a:lumMod val="60000"/>
-                  <a:lumOff val="40000"/>
-                </a:schemeClr>
-              </a:solidFill>
-            </a:endParaRPr>
-          </a:p>
-          <a:p>
-            <a:r>
-              <a:rPr lang="zh-CN" altLang="en-US" sz="1800" dirty="0" smtClean="0">
-                <a:solidFill>
-                  <a:schemeClr val="tx2">
-                    <a:lumMod val="60000"/>
-                    <a:lumOff val="40000"/>
-                  </a:schemeClr>
-                </a:solidFill>
-              </a:rPr>
-              <a:t>特点：</a:t>
-            </a:r>
-            <a:endParaRPr lang="en-US" altLang="zh-CN" sz="1800" dirty="0" smtClean="0">
-              <a:solidFill>
-                <a:schemeClr val="tx2">
-                  <a:lumMod val="60000"/>
-                  <a:lumOff val="40000"/>
-                </a:schemeClr>
-              </a:solidFill>
-            </a:endParaRPr>
-          </a:p>
-          <a:p>
-            <a:pPr lvl="1"/>
-            <a:r>
-              <a:rPr lang="zh-CN" altLang="en-US" sz="1400" dirty="0" smtClean="0">
-                <a:solidFill>
-                  <a:schemeClr val="tx2">
-                    <a:lumMod val="60000"/>
-                    <a:lumOff val="40000"/>
-                  </a:schemeClr>
-                </a:solidFill>
-              </a:rPr>
-              <a:t>快，超快</a:t>
-            </a:r>
-            <a:endParaRPr lang="en-US" altLang="zh-CN" sz="1400" dirty="0" smtClean="0">
-              <a:solidFill>
-                <a:schemeClr val="tx2">
-                  <a:lumMod val="60000"/>
-                  <a:lumOff val="40000"/>
-                </a:schemeClr>
-              </a:solidFill>
-            </a:endParaRPr>
-          </a:p>
-          <a:p>
-            <a:pPr lvl="1"/>
-            <a:r>
-              <a:rPr lang="zh-CN" altLang="en-US" sz="1400" dirty="0" smtClean="0">
-                <a:solidFill>
-                  <a:schemeClr val="tx2">
-                    <a:lumMod val="60000"/>
-                    <a:lumOff val="40000"/>
-                  </a:schemeClr>
-                </a:solidFill>
-              </a:rPr>
-              <a:t>完全分布式</a:t>
-            </a:r>
-            <a:endParaRPr lang="en-US" altLang="zh-CN" sz="1400" dirty="0" smtClean="0">
-              <a:solidFill>
-                <a:schemeClr val="tx2">
-                  <a:lumMod val="60000"/>
-                  <a:lumOff val="40000"/>
-                </a:schemeClr>
-              </a:solidFill>
-            </a:endParaRPr>
-          </a:p>
-          <a:p>
-            <a:pPr lvl="1"/>
-            <a:r>
-              <a:rPr lang="zh-CN" altLang="en-US" sz="1400" dirty="0" smtClean="0">
-                <a:solidFill>
-                  <a:schemeClr val="tx2">
-                    <a:lumMod val="60000"/>
-                    <a:lumOff val="40000"/>
-                  </a:schemeClr>
-                </a:solidFill>
-              </a:rPr>
-              <a:t>强力支援并行分支</a:t>
-            </a:r>
-            <a:endParaRPr lang="en-US" altLang="zh-CN" sz="1400" dirty="0" smtClean="0">
-              <a:solidFill>
-                <a:schemeClr val="tx2">
-                  <a:lumMod val="60000"/>
-                  <a:lumOff val="40000"/>
-                </a:schemeClr>
-              </a:solidFill>
-            </a:endParaRPr>
-          </a:p>
-          <a:p>
-            <a:pPr lvl="1"/>
-            <a:r>
-              <a:rPr lang="zh-CN" altLang="en-US" sz="1400" dirty="0" smtClean="0">
-                <a:solidFill>
-                  <a:schemeClr val="tx2">
-                    <a:lumMod val="60000"/>
-                    <a:lumOff val="40000"/>
-                  </a:schemeClr>
-                </a:solidFill>
-              </a:rPr>
-              <a:t>几乎所有对版本库的操作都是本地操作，无需网络</a:t>
-            </a:r>
-            <a:endParaRPr lang="en-US" altLang="zh-CN" sz="1400" dirty="0" smtClean="0">
-              <a:solidFill>
-                <a:schemeClr val="tx2">
-                  <a:lumMod val="60000"/>
-                  <a:lumOff val="40000"/>
-                </a:schemeClr>
-              </a:solidFill>
-            </a:endParaRPr>
-          </a:p>
-          <a:p>
-            <a:pPr lvl="1"/>
-            <a:r>
-              <a:rPr lang="zh-CN" altLang="en-US" sz="1400" dirty="0" smtClean="0">
-                <a:solidFill>
-                  <a:schemeClr val="tx2">
-                    <a:lumMod val="60000"/>
-                    <a:lumOff val="40000"/>
-                  </a:schemeClr>
-                </a:solidFill>
-              </a:rPr>
-              <a:t>直接存储文件快照而非文件差异</a:t>
-            </a:r>
-            <a:r>
-              <a:rPr lang="en-US" altLang="zh-CN" sz="1400" dirty="0" smtClean="0">
-                <a:solidFill>
-                  <a:schemeClr val="tx2">
-                    <a:lumMod val="60000"/>
-                    <a:lumOff val="40000"/>
-                  </a:schemeClr>
-                </a:solidFill>
-              </a:rPr>
-              <a:t>(</a:t>
-            </a:r>
-            <a:r>
-              <a:rPr lang="zh-CN" altLang="en-US" sz="1400" dirty="0" smtClean="0">
-                <a:solidFill>
-                  <a:schemeClr val="tx2">
-                    <a:lumMod val="60000"/>
-                    <a:lumOff val="40000"/>
-                  </a:schemeClr>
-                </a:solidFill>
-              </a:rPr>
-              <a:t>与</a:t>
-            </a:r>
-            <a:r>
-              <a:rPr lang="en-US" altLang="zh-CN" sz="1400" dirty="0" smtClean="0">
-                <a:solidFill>
-                  <a:schemeClr val="tx2">
-                    <a:lumMod val="60000"/>
-                    <a:lumOff val="40000"/>
-                  </a:schemeClr>
-                </a:solidFill>
-              </a:rPr>
-              <a:t>P4</a:t>
-            </a:r>
-            <a:r>
-              <a:rPr lang="zh-CN" altLang="en-US" sz="1400" dirty="0" smtClean="0">
-                <a:solidFill>
-                  <a:schemeClr val="tx2">
-                    <a:lumMod val="60000"/>
-                    <a:lumOff val="40000"/>
-                  </a:schemeClr>
-                </a:solidFill>
-              </a:rPr>
-              <a:t>很重要的区别之一</a:t>
-            </a:r>
-            <a:r>
-              <a:rPr lang="en-US" altLang="zh-CN" sz="1400" dirty="0" smtClean="0">
-                <a:solidFill>
-                  <a:schemeClr val="tx2">
-                    <a:lumMod val="60000"/>
-                    <a:lumOff val="40000"/>
-                  </a:schemeClr>
-                </a:solidFill>
-              </a:rPr>
-              <a:t>)</a:t>
-            </a:r>
-          </a:p>
-          <a:p>
-            <a:pPr lvl="1"/>
-            <a:r>
-              <a:rPr lang="zh-CN" altLang="en-US" sz="1400" dirty="0" smtClean="0">
-                <a:solidFill>
-                  <a:schemeClr val="tx2">
-                    <a:lumMod val="60000"/>
-                    <a:lumOff val="40000"/>
-                  </a:schemeClr>
-                </a:solidFill>
-              </a:rPr>
-              <a:t>时刻保持文件的完整性</a:t>
-            </a:r>
-            <a:endParaRPr lang="en-US" altLang="zh-CN" sz="1400" dirty="0" smtClean="0">
-              <a:solidFill>
-                <a:schemeClr val="tx2">
-                  <a:lumMod val="60000"/>
-                  <a:lumOff val="40000"/>
-                </a:schemeClr>
-              </a:solidFill>
-            </a:endParaRPr>
-          </a:p>
-          <a:p>
-            <a:pPr lvl="1"/>
-            <a:r>
-              <a:rPr lang="zh-CN" altLang="en-US" sz="1400" dirty="0" smtClean="0">
-                <a:solidFill>
-                  <a:schemeClr val="tx2">
-                    <a:lumMod val="60000"/>
-                    <a:lumOff val="40000"/>
-                  </a:schemeClr>
-                </a:solidFill>
-              </a:rPr>
-              <a:t>以空间换速度，大多数对文件的操作都是添加而非删除</a:t>
-            </a:r>
-            <a:endParaRPr lang="en-US" altLang="zh-CN" sz="1400" dirty="0" smtClean="0">
-              <a:solidFill>
-                <a:schemeClr val="tx2">
-                  <a:lumMod val="60000"/>
-                  <a:lumOff val="40000"/>
-                </a:schemeClr>
-              </a:solidFill>
-            </a:endParaRPr>
-          </a:p>
-          <a:p>
-            <a:r>
-              <a:rPr lang="zh-CN" altLang="en-US" sz="1800" dirty="0" smtClean="0">
-                <a:solidFill>
-                  <a:schemeClr val="tx2">
-                    <a:lumMod val="60000"/>
-                    <a:lumOff val="40000"/>
-                  </a:schemeClr>
-                </a:solidFill>
-              </a:rPr>
-              <a:t>区别于</a:t>
-            </a:r>
-            <a:r>
-              <a:rPr lang="en-US" altLang="zh-CN" sz="1800" dirty="0" smtClean="0">
-                <a:solidFill>
-                  <a:schemeClr val="tx2">
-                    <a:lumMod val="60000"/>
-                    <a:lumOff val="40000"/>
-                  </a:schemeClr>
-                </a:solidFill>
-              </a:rPr>
-              <a:t>P4</a:t>
-            </a:r>
-            <a:r>
-              <a:rPr lang="zh-CN" altLang="en-US" sz="1800" dirty="0" smtClean="0">
-                <a:solidFill>
-                  <a:schemeClr val="tx2">
-                    <a:lumMod val="60000"/>
-                    <a:lumOff val="40000"/>
-                  </a:schemeClr>
-                </a:solidFill>
-              </a:rPr>
-              <a:t>：</a:t>
-            </a:r>
-            <a:endParaRPr lang="en-US" altLang="zh-CN" sz="1400" dirty="0" smtClean="0">
-              <a:solidFill>
-                <a:schemeClr val="tx2">
-                  <a:lumMod val="60000"/>
-                  <a:lumOff val="40000"/>
-                </a:schemeClr>
-              </a:solidFill>
-            </a:endParaRPr>
-          </a:p>
-          <a:p>
-            <a:pPr lvl="1"/>
-            <a:r>
-              <a:rPr lang="en-US" altLang="zh-CN" sz="1400" dirty="0" smtClean="0">
-                <a:solidFill>
-                  <a:schemeClr val="tx2">
-                    <a:lumMod val="60000"/>
-                    <a:lumOff val="40000"/>
-                  </a:schemeClr>
-                </a:solidFill>
-              </a:rPr>
-              <a:t>P4 </a:t>
-            </a:r>
-            <a:r>
-              <a:rPr lang="zh-CN" altLang="en-US" sz="1400" dirty="0" smtClean="0">
-                <a:solidFill>
-                  <a:schemeClr val="tx2">
-                    <a:lumMod val="60000"/>
-                    <a:lumOff val="40000"/>
-                  </a:schemeClr>
-                </a:solidFill>
-              </a:rPr>
-              <a:t>集中式，</a:t>
-            </a:r>
-            <a:r>
-              <a:rPr lang="en-US" altLang="zh-CN" sz="1400" dirty="0" err="1" smtClean="0">
-                <a:solidFill>
-                  <a:schemeClr val="tx2">
-                    <a:lumMod val="60000"/>
-                    <a:lumOff val="40000"/>
-                  </a:schemeClr>
-                </a:solidFill>
-              </a:rPr>
-              <a:t>Git</a:t>
-            </a:r>
-            <a:r>
-              <a:rPr lang="zh-CN" altLang="en-US" sz="1400" dirty="0" smtClean="0">
-                <a:solidFill>
-                  <a:schemeClr val="tx2">
-                    <a:lumMod val="60000"/>
-                    <a:lumOff val="40000"/>
-                  </a:schemeClr>
-                </a:solidFill>
-              </a:rPr>
-              <a:t>分布式</a:t>
-            </a:r>
-            <a:endParaRPr lang="en-US" altLang="zh-CN" sz="1400" dirty="0" smtClean="0">
-              <a:solidFill>
-                <a:schemeClr val="tx2">
-                  <a:lumMod val="60000"/>
-                  <a:lumOff val="40000"/>
-                </a:schemeClr>
-              </a:solidFill>
-            </a:endParaRPr>
-          </a:p>
-          <a:p>
-            <a:pPr lvl="1"/>
-            <a:r>
-              <a:rPr lang="en-US" altLang="zh-CN" sz="1400" dirty="0" smtClean="0">
-                <a:solidFill>
-                  <a:schemeClr val="tx2">
-                    <a:lumMod val="60000"/>
-                    <a:lumOff val="40000"/>
-                  </a:schemeClr>
-                </a:solidFill>
-              </a:rPr>
-              <a:t>P4</a:t>
-            </a:r>
-            <a:r>
-              <a:rPr lang="zh-CN" altLang="en-US" sz="1400" dirty="0" smtClean="0">
-                <a:solidFill>
-                  <a:schemeClr val="tx2">
-                    <a:lumMod val="60000"/>
-                    <a:lumOff val="40000"/>
-                  </a:schemeClr>
-                </a:solidFill>
-              </a:rPr>
-              <a:t>管理文件差异变化，</a:t>
-            </a:r>
-            <a:r>
-              <a:rPr lang="en-US" altLang="zh-CN" sz="1400" dirty="0" err="1" smtClean="0">
-                <a:solidFill>
-                  <a:schemeClr val="tx2">
-                    <a:lumMod val="60000"/>
-                    <a:lumOff val="40000"/>
-                  </a:schemeClr>
-                </a:solidFill>
-              </a:rPr>
-              <a:t>Git</a:t>
-            </a:r>
-            <a:r>
-              <a:rPr lang="zh-CN" altLang="en-US" sz="1400" dirty="0" smtClean="0">
-                <a:solidFill>
-                  <a:schemeClr val="tx2">
-                    <a:lumMod val="60000"/>
-                    <a:lumOff val="40000"/>
-                  </a:schemeClr>
-                </a:solidFill>
-              </a:rPr>
-              <a:t>保存文件快照，关心文件整体</a:t>
-            </a:r>
-            <a:endParaRPr lang="en-US" altLang="zh-CN" sz="1400" dirty="0" smtClean="0">
-              <a:solidFill>
-                <a:schemeClr val="tx2">
-                  <a:lumMod val="60000"/>
-                  <a:lumOff val="40000"/>
-                </a:schemeClr>
-              </a:solidFill>
-            </a:endParaRPr>
-          </a:p>
-          <a:p>
-            <a:pPr lvl="1"/>
-            <a:r>
-              <a:rPr lang="en-US" altLang="zh-CN" sz="1400" dirty="0" smtClean="0">
-                <a:solidFill>
-                  <a:schemeClr val="tx2">
-                    <a:lumMod val="60000"/>
-                    <a:lumOff val="40000"/>
-                  </a:schemeClr>
-                </a:solidFill>
-              </a:rPr>
-              <a:t>P4</a:t>
-            </a:r>
-            <a:r>
-              <a:rPr lang="zh-CN" altLang="en-US" sz="1400" dirty="0" smtClean="0">
-                <a:solidFill>
-                  <a:schemeClr val="tx2">
-                    <a:lumMod val="60000"/>
-                    <a:lumOff val="40000"/>
-                  </a:schemeClr>
-                </a:solidFill>
-              </a:rPr>
-              <a:t>需时刻联网检查文件状态，</a:t>
-            </a:r>
-            <a:r>
-              <a:rPr lang="en-US" altLang="zh-CN" sz="1400" dirty="0" err="1" smtClean="0">
-                <a:solidFill>
-                  <a:schemeClr val="tx2">
-                    <a:lumMod val="60000"/>
-                    <a:lumOff val="40000"/>
-                  </a:schemeClr>
-                </a:solidFill>
-              </a:rPr>
-              <a:t>Git</a:t>
-            </a:r>
-            <a:r>
-              <a:rPr lang="zh-CN" altLang="en-US" sz="1400" dirty="0" smtClean="0">
-                <a:solidFill>
-                  <a:schemeClr val="tx2">
-                    <a:lumMod val="60000"/>
-                    <a:lumOff val="40000"/>
-                  </a:schemeClr>
-                </a:solidFill>
-              </a:rPr>
-              <a:t>几乎全部本地操作</a:t>
-            </a:r>
-            <a:endParaRPr lang="en-US" altLang="zh-CN" sz="1400" dirty="0" smtClean="0">
-              <a:solidFill>
-                <a:schemeClr val="tx2">
-                  <a:lumMod val="60000"/>
-                  <a:lumOff val="40000"/>
-                </a:schemeClr>
-              </a:solidFill>
-            </a:endParaRPr>
-          </a:p>
-        </p:txBody>
-      </p:sp>
       <p:pic>
         <p:nvPicPr>
           <p:cNvPr id="4" name="图片 3" descr="dvcs.PNG"/>
@@ -7946,6 +10081,758 @@
           </a:prstGeom>
         </p:spPr>
       </p:pic>
+      <p:sp>
+        <p:nvSpPr>
+          <p:cNvPr id="2" name="标题 1"/>
+          <p:cNvSpPr>
+            <a:spLocks noGrp="1"/>
+          </p:cNvSpPr>
+          <p:nvPr>
+            <p:ph type="title"/>
+          </p:nvPr>
+        </p:nvSpPr>
+        <p:spPr/>
+        <p:txBody>
+          <a:bodyPr/>
+          <a:lstStyle/>
+          <a:p>
+            <a:pPr algn="l"/>
+            <a:r>
+              <a:rPr lang="en-US" altLang="zh-CN" dirty="0" smtClean="0">
+                <a:solidFill>
+                  <a:schemeClr val="tx2">
+                    <a:lumMod val="75000"/>
+                  </a:schemeClr>
+                </a:solidFill>
+              </a:rPr>
+              <a:t>What is </a:t>
+            </a:r>
+            <a:r>
+              <a:rPr lang="en-US" altLang="zh-CN" dirty="0" err="1" smtClean="0">
+                <a:solidFill>
+                  <a:schemeClr val="tx2">
+                    <a:lumMod val="75000"/>
+                  </a:schemeClr>
+                </a:solidFill>
+              </a:rPr>
+              <a:t>Git</a:t>
+            </a:r>
+            <a:r>
+              <a:rPr lang="en-US" altLang="zh-CN" dirty="0" smtClean="0">
+                <a:solidFill>
+                  <a:schemeClr val="tx2">
+                    <a:lumMod val="75000"/>
+                  </a:schemeClr>
+                </a:solidFill>
+              </a:rPr>
+              <a:t>?</a:t>
+            </a:r>
+            <a:endParaRPr lang="zh-CN" altLang="en-US" dirty="0">
+              <a:solidFill>
+                <a:schemeClr val="tx2">
+                  <a:lumMod val="75000"/>
+                </a:schemeClr>
+              </a:solidFill>
+            </a:endParaRPr>
+          </a:p>
+        </p:txBody>
+      </p:sp>
+      <p:sp>
+        <p:nvSpPr>
+          <p:cNvPr id="3" name="内容占位符 2"/>
+          <p:cNvSpPr>
+            <a:spLocks noGrp="1"/>
+          </p:cNvSpPr>
+          <p:nvPr>
+            <p:ph idx="1"/>
+          </p:nvPr>
+        </p:nvSpPr>
+        <p:spPr/>
+        <p:txBody>
+          <a:bodyPr>
+            <a:normAutofit/>
+          </a:bodyPr>
+          <a:lstStyle/>
+          <a:p>
+            <a:r>
+              <a:rPr lang="zh-CN" altLang="en-US" sz="1800" dirty="0" smtClean="0">
+                <a:solidFill>
+                  <a:schemeClr val="tx2">
+                    <a:lumMod val="60000"/>
+                    <a:lumOff val="40000"/>
+                  </a:schemeClr>
+                </a:solidFill>
+              </a:rPr>
+              <a:t>一个完全分布式的版本控制系统，是一个内容寻址文件系统</a:t>
+            </a:r>
+            <a:r>
+              <a:rPr lang="en-US" altLang="zh-CN" sz="1800" dirty="0" smtClean="0">
+                <a:solidFill>
+                  <a:schemeClr val="tx2">
+                    <a:lumMod val="60000"/>
+                    <a:lumOff val="40000"/>
+                  </a:schemeClr>
+                </a:solidFill>
+              </a:rPr>
+              <a:t>+VCS</a:t>
+            </a:r>
+            <a:r>
+              <a:rPr lang="zh-CN" altLang="en-US" sz="1800" dirty="0" smtClean="0">
+                <a:solidFill>
+                  <a:schemeClr val="tx2">
+                    <a:lumMod val="60000"/>
+                    <a:lumOff val="40000"/>
+                  </a:schemeClr>
+                </a:solidFill>
+              </a:rPr>
+              <a:t>用户界面。</a:t>
+            </a:r>
+            <a:endParaRPr lang="en-US" altLang="zh-CN" sz="1800" dirty="0" smtClean="0">
+              <a:solidFill>
+                <a:schemeClr val="tx2">
+                  <a:lumMod val="60000"/>
+                  <a:lumOff val="40000"/>
+                </a:schemeClr>
+              </a:solidFill>
+            </a:endParaRPr>
+          </a:p>
+          <a:p>
+            <a:r>
+              <a:rPr lang="en-US" altLang="zh-CN" sz="1800" dirty="0" smtClean="0">
+                <a:solidFill>
+                  <a:schemeClr val="tx2">
+                    <a:lumMod val="60000"/>
+                    <a:lumOff val="40000"/>
+                  </a:schemeClr>
+                </a:solidFill>
+              </a:rPr>
+              <a:t>Linux</a:t>
+            </a:r>
+            <a:r>
+              <a:rPr lang="zh-CN" altLang="en-US" sz="1800" dirty="0" smtClean="0">
+                <a:solidFill>
+                  <a:schemeClr val="tx2">
+                    <a:lumMod val="60000"/>
+                    <a:lumOff val="40000"/>
+                  </a:schemeClr>
+                </a:solidFill>
+              </a:rPr>
+              <a:t>内核开源社区设计开发，是为</a:t>
+            </a:r>
+            <a:r>
+              <a:rPr lang="en-US" altLang="zh-CN" sz="1800" dirty="0" smtClean="0">
+                <a:solidFill>
+                  <a:schemeClr val="tx2">
+                    <a:lumMod val="60000"/>
+                    <a:lumOff val="40000"/>
+                  </a:schemeClr>
+                </a:solidFill>
+              </a:rPr>
+              <a:t>Linux</a:t>
+            </a:r>
+            <a:r>
+              <a:rPr lang="zh-CN" altLang="en-US" sz="1800" dirty="0" smtClean="0">
+                <a:solidFill>
+                  <a:schemeClr val="tx2">
+                    <a:lumMod val="60000"/>
+                    <a:lumOff val="40000"/>
+                  </a:schemeClr>
+                </a:solidFill>
+              </a:rPr>
+              <a:t>系统内核开发设计的。所以非常具有</a:t>
+            </a:r>
+            <a:r>
+              <a:rPr lang="en-US" altLang="zh-CN" sz="1800" dirty="0" smtClean="0">
+                <a:solidFill>
+                  <a:schemeClr val="tx2">
+                    <a:lumMod val="60000"/>
+                    <a:lumOff val="40000"/>
+                  </a:schemeClr>
+                </a:solidFill>
+              </a:rPr>
+              <a:t>Linux</a:t>
+            </a:r>
+            <a:r>
+              <a:rPr lang="zh-CN" altLang="en-US" sz="1800" dirty="0" smtClean="0">
+                <a:solidFill>
+                  <a:schemeClr val="tx2">
+                    <a:lumMod val="60000"/>
+                    <a:lumOff val="40000"/>
+                  </a:schemeClr>
+                </a:solidFill>
+              </a:rPr>
+              <a:t>系统风格。</a:t>
+            </a:r>
+            <a:endParaRPr lang="en-US" altLang="zh-CN" sz="1800" dirty="0" smtClean="0">
+              <a:solidFill>
+                <a:schemeClr val="tx2">
+                  <a:lumMod val="60000"/>
+                  <a:lumOff val="40000"/>
+                </a:schemeClr>
+              </a:solidFill>
+            </a:endParaRPr>
+          </a:p>
+          <a:p>
+            <a:r>
+              <a:rPr lang="zh-CN" altLang="en-US" sz="1800" dirty="0" smtClean="0">
+                <a:solidFill>
+                  <a:schemeClr val="tx2">
+                    <a:lumMod val="60000"/>
+                    <a:lumOff val="40000"/>
+                  </a:schemeClr>
+                </a:solidFill>
+              </a:rPr>
+              <a:t>特点：</a:t>
+            </a:r>
+            <a:endParaRPr lang="en-US" altLang="zh-CN" sz="1800" dirty="0" smtClean="0">
+              <a:solidFill>
+                <a:schemeClr val="tx2">
+                  <a:lumMod val="60000"/>
+                  <a:lumOff val="40000"/>
+                </a:schemeClr>
+              </a:solidFill>
+            </a:endParaRPr>
+          </a:p>
+          <a:p>
+            <a:pPr lvl="1"/>
+            <a:r>
+              <a:rPr lang="zh-CN" altLang="en-US" sz="1400" dirty="0" smtClean="0">
+                <a:solidFill>
+                  <a:schemeClr val="tx2">
+                    <a:lumMod val="60000"/>
+                    <a:lumOff val="40000"/>
+                  </a:schemeClr>
+                </a:solidFill>
+              </a:rPr>
+              <a:t>快，超快</a:t>
+            </a:r>
+            <a:endParaRPr lang="en-US" altLang="zh-CN" sz="1400" dirty="0" smtClean="0">
+              <a:solidFill>
+                <a:schemeClr val="tx2">
+                  <a:lumMod val="60000"/>
+                  <a:lumOff val="40000"/>
+                </a:schemeClr>
+              </a:solidFill>
+            </a:endParaRPr>
+          </a:p>
+          <a:p>
+            <a:pPr lvl="1"/>
+            <a:r>
+              <a:rPr lang="zh-CN" altLang="en-US" sz="1400" dirty="0" smtClean="0">
+                <a:solidFill>
+                  <a:schemeClr val="tx2">
+                    <a:lumMod val="60000"/>
+                    <a:lumOff val="40000"/>
+                  </a:schemeClr>
+                </a:solidFill>
+              </a:rPr>
+              <a:t>完全分布式</a:t>
+            </a:r>
+            <a:endParaRPr lang="en-US" altLang="zh-CN" sz="1400" dirty="0" smtClean="0">
+              <a:solidFill>
+                <a:schemeClr val="tx2">
+                  <a:lumMod val="60000"/>
+                  <a:lumOff val="40000"/>
+                </a:schemeClr>
+              </a:solidFill>
+            </a:endParaRPr>
+          </a:p>
+          <a:p>
+            <a:pPr lvl="1"/>
+            <a:r>
+              <a:rPr lang="zh-CN" altLang="en-US" sz="1400" dirty="0" smtClean="0">
+                <a:solidFill>
+                  <a:schemeClr val="tx2">
+                    <a:lumMod val="60000"/>
+                    <a:lumOff val="40000"/>
+                  </a:schemeClr>
+                </a:solidFill>
+              </a:rPr>
+              <a:t>强力支援并行分支</a:t>
+            </a:r>
+            <a:endParaRPr lang="en-US" altLang="zh-CN" sz="1400" dirty="0" smtClean="0">
+              <a:solidFill>
+                <a:schemeClr val="tx2">
+                  <a:lumMod val="60000"/>
+                  <a:lumOff val="40000"/>
+                </a:schemeClr>
+              </a:solidFill>
+            </a:endParaRPr>
+          </a:p>
+          <a:p>
+            <a:pPr lvl="1"/>
+            <a:r>
+              <a:rPr lang="zh-CN" altLang="en-US" sz="1400" dirty="0" smtClean="0">
+                <a:solidFill>
+                  <a:schemeClr val="tx2">
+                    <a:lumMod val="60000"/>
+                    <a:lumOff val="40000"/>
+                  </a:schemeClr>
+                </a:solidFill>
+              </a:rPr>
+              <a:t>几乎所有对版本库的操作都是本地操作，无需网络</a:t>
+            </a:r>
+            <a:endParaRPr lang="en-US" altLang="zh-CN" sz="1400" dirty="0" smtClean="0">
+              <a:solidFill>
+                <a:schemeClr val="tx2">
+                  <a:lumMod val="60000"/>
+                  <a:lumOff val="40000"/>
+                </a:schemeClr>
+              </a:solidFill>
+            </a:endParaRPr>
+          </a:p>
+          <a:p>
+            <a:pPr lvl="1"/>
+            <a:r>
+              <a:rPr lang="zh-CN" altLang="en-US" sz="1400" dirty="0" smtClean="0">
+                <a:solidFill>
+                  <a:schemeClr val="tx2">
+                    <a:lumMod val="60000"/>
+                    <a:lumOff val="40000"/>
+                  </a:schemeClr>
+                </a:solidFill>
+              </a:rPr>
+              <a:t>直接存储文件快照而非文件差异</a:t>
+            </a:r>
+            <a:r>
+              <a:rPr lang="en-US" altLang="zh-CN" sz="1400" dirty="0" smtClean="0">
+                <a:solidFill>
+                  <a:schemeClr val="tx2">
+                    <a:lumMod val="60000"/>
+                    <a:lumOff val="40000"/>
+                  </a:schemeClr>
+                </a:solidFill>
+              </a:rPr>
+              <a:t>(</a:t>
+            </a:r>
+            <a:r>
+              <a:rPr lang="zh-CN" altLang="en-US" sz="1400" dirty="0" smtClean="0">
+                <a:solidFill>
+                  <a:schemeClr val="tx2">
+                    <a:lumMod val="60000"/>
+                    <a:lumOff val="40000"/>
+                  </a:schemeClr>
+                </a:solidFill>
+              </a:rPr>
+              <a:t>与</a:t>
+            </a:r>
+            <a:r>
+              <a:rPr lang="en-US" altLang="zh-CN" sz="1400" dirty="0" smtClean="0">
+                <a:solidFill>
+                  <a:schemeClr val="tx2">
+                    <a:lumMod val="60000"/>
+                    <a:lumOff val="40000"/>
+                  </a:schemeClr>
+                </a:solidFill>
+              </a:rPr>
+              <a:t>P4</a:t>
+            </a:r>
+            <a:r>
+              <a:rPr lang="zh-CN" altLang="en-US" sz="1400" dirty="0" smtClean="0">
+                <a:solidFill>
+                  <a:schemeClr val="tx2">
+                    <a:lumMod val="60000"/>
+                    <a:lumOff val="40000"/>
+                  </a:schemeClr>
+                </a:solidFill>
+              </a:rPr>
+              <a:t>很重要的区别之一</a:t>
+            </a:r>
+            <a:r>
+              <a:rPr lang="en-US" altLang="zh-CN" sz="1400" dirty="0" smtClean="0">
+                <a:solidFill>
+                  <a:schemeClr val="tx2">
+                    <a:lumMod val="60000"/>
+                    <a:lumOff val="40000"/>
+                  </a:schemeClr>
+                </a:solidFill>
+              </a:rPr>
+              <a:t>)</a:t>
+            </a:r>
+          </a:p>
+          <a:p>
+            <a:pPr lvl="1"/>
+            <a:r>
+              <a:rPr lang="zh-CN" altLang="en-US" sz="1400" dirty="0" smtClean="0">
+                <a:solidFill>
+                  <a:schemeClr val="tx2">
+                    <a:lumMod val="60000"/>
+                    <a:lumOff val="40000"/>
+                  </a:schemeClr>
+                </a:solidFill>
+              </a:rPr>
+              <a:t>时刻</a:t>
+            </a:r>
+            <a:r>
+              <a:rPr lang="zh-CN" altLang="en-US" sz="1400" dirty="0" smtClean="0">
+                <a:solidFill>
+                  <a:schemeClr val="tx2">
+                    <a:lumMod val="60000"/>
+                    <a:lumOff val="40000"/>
+                  </a:schemeClr>
+                </a:solidFill>
+              </a:rPr>
+              <a:t>检查</a:t>
+            </a:r>
+            <a:r>
+              <a:rPr lang="zh-CN" altLang="en-US" sz="1400" dirty="0" smtClean="0">
+                <a:solidFill>
+                  <a:schemeClr val="tx2">
+                    <a:lumMod val="60000"/>
+                    <a:lumOff val="40000"/>
+                  </a:schemeClr>
+                </a:solidFill>
+              </a:rPr>
+              <a:t>文件</a:t>
+            </a:r>
+            <a:r>
+              <a:rPr lang="zh-CN" altLang="en-US" sz="1400" dirty="0" smtClean="0">
+                <a:solidFill>
+                  <a:schemeClr val="tx2">
+                    <a:lumMod val="60000"/>
+                    <a:lumOff val="40000"/>
+                  </a:schemeClr>
+                </a:solidFill>
+              </a:rPr>
+              <a:t>内容</a:t>
+            </a:r>
+            <a:r>
+              <a:rPr lang="zh-CN" altLang="en-US" sz="1400" dirty="0" smtClean="0">
+                <a:solidFill>
+                  <a:schemeClr val="tx2">
+                    <a:lumMod val="60000"/>
+                    <a:lumOff val="40000"/>
+                  </a:schemeClr>
+                </a:solidFill>
+              </a:rPr>
+              <a:t>的</a:t>
+            </a:r>
+            <a:r>
+              <a:rPr lang="zh-CN" altLang="en-US" sz="1400" dirty="0" smtClean="0">
+                <a:solidFill>
+                  <a:schemeClr val="tx2">
+                    <a:lumMod val="60000"/>
+                    <a:lumOff val="40000"/>
+                  </a:schemeClr>
+                </a:solidFill>
+              </a:rPr>
+              <a:t>完整性</a:t>
+            </a:r>
+            <a:endParaRPr lang="en-US" altLang="zh-CN" sz="1400" dirty="0" smtClean="0">
+              <a:solidFill>
+                <a:schemeClr val="tx2">
+                  <a:lumMod val="60000"/>
+                  <a:lumOff val="40000"/>
+                </a:schemeClr>
+              </a:solidFill>
+            </a:endParaRPr>
+          </a:p>
+          <a:p>
+            <a:pPr lvl="1"/>
+            <a:r>
+              <a:rPr lang="zh-CN" altLang="en-US" sz="1400" dirty="0" smtClean="0">
+                <a:solidFill>
+                  <a:schemeClr val="tx2">
+                    <a:lumMod val="60000"/>
+                    <a:lumOff val="40000"/>
+                  </a:schemeClr>
+                </a:solidFill>
+              </a:rPr>
+              <a:t>以空间换速度，大多数对文件的操作都是添加而非删除</a:t>
+            </a:r>
+            <a:endParaRPr lang="en-US" altLang="zh-CN" sz="1400" dirty="0" smtClean="0">
+              <a:solidFill>
+                <a:schemeClr val="tx2">
+                  <a:lumMod val="60000"/>
+                  <a:lumOff val="40000"/>
+                </a:schemeClr>
+              </a:solidFill>
+            </a:endParaRPr>
+          </a:p>
+          <a:p>
+            <a:r>
+              <a:rPr lang="zh-CN" altLang="en-US" sz="1800" dirty="0" smtClean="0">
+                <a:solidFill>
+                  <a:schemeClr val="tx2">
+                    <a:lumMod val="60000"/>
+                    <a:lumOff val="40000"/>
+                  </a:schemeClr>
+                </a:solidFill>
+              </a:rPr>
+              <a:t>区别于</a:t>
+            </a:r>
+            <a:r>
+              <a:rPr lang="en-US" altLang="zh-CN" sz="1800" dirty="0" smtClean="0">
+                <a:solidFill>
+                  <a:schemeClr val="tx2">
+                    <a:lumMod val="60000"/>
+                    <a:lumOff val="40000"/>
+                  </a:schemeClr>
+                </a:solidFill>
+              </a:rPr>
+              <a:t>P4</a:t>
+            </a:r>
+            <a:r>
+              <a:rPr lang="zh-CN" altLang="en-US" sz="1800" dirty="0" smtClean="0">
+                <a:solidFill>
+                  <a:schemeClr val="tx2">
+                    <a:lumMod val="60000"/>
+                    <a:lumOff val="40000"/>
+                  </a:schemeClr>
+                </a:solidFill>
+              </a:rPr>
+              <a:t>：</a:t>
+            </a:r>
+            <a:endParaRPr lang="en-US" altLang="zh-CN" sz="1400" dirty="0" smtClean="0">
+              <a:solidFill>
+                <a:schemeClr val="tx2">
+                  <a:lumMod val="60000"/>
+                  <a:lumOff val="40000"/>
+                </a:schemeClr>
+              </a:solidFill>
+            </a:endParaRPr>
+          </a:p>
+          <a:p>
+            <a:pPr lvl="1"/>
+            <a:endParaRPr lang="en-US" altLang="zh-CN" sz="1400" dirty="0" smtClean="0">
+              <a:solidFill>
+                <a:schemeClr val="tx2">
+                  <a:lumMod val="60000"/>
+                  <a:lumOff val="40000"/>
+                </a:schemeClr>
+              </a:solidFill>
+            </a:endParaRPr>
+          </a:p>
+        </p:txBody>
+      </p:sp>
+      <p:graphicFrame>
+        <p:nvGraphicFramePr>
+          <p:cNvPr id="5" name="表格 4"/>
+          <p:cNvGraphicFramePr>
+            <a:graphicFrameLocks noGrp="1"/>
+          </p:cNvGraphicFramePr>
+          <p:nvPr/>
+        </p:nvGraphicFramePr>
+        <p:xfrm>
+          <a:off x="357158" y="5006360"/>
+          <a:ext cx="5357850" cy="1280160"/>
+        </p:xfrm>
+        <a:graphic>
+          <a:graphicData uri="http://schemas.openxmlformats.org/drawingml/2006/table">
+            <a:tbl>
+              <a:tblPr firstRow="1" bandRow="1">
+                <a:tableStyleId>{5C22544A-7EE6-4342-B048-85BDC9FD1C3A}</a:tableStyleId>
+              </a:tblPr>
+              <a:tblGrid>
+                <a:gridCol w="3244015"/>
+                <a:gridCol w="2113835"/>
+              </a:tblGrid>
+              <a:tr h="0">
+                <a:tc>
+                  <a:txBody>
+                    <a:bodyPr/>
+                    <a:lstStyle/>
+                    <a:p>
+                      <a:pPr algn="ctr"/>
+                      <a:r>
+                        <a:rPr lang="en-US" altLang="zh-CN" dirty="0" smtClean="0"/>
+                        <a:t>Git</a:t>
+                      </a:r>
+                      <a:endParaRPr lang="zh-CN" altLang="en-US" dirty="0"/>
+                    </a:p>
+                  </a:txBody>
+                  <a:tcPr/>
+                </a:tc>
+                <a:tc>
+                  <a:txBody>
+                    <a:bodyPr/>
+                    <a:lstStyle/>
+                    <a:p>
+                      <a:pPr algn="ctr"/>
+                      <a:r>
+                        <a:rPr lang="en-US" altLang="zh-CN" dirty="0" smtClean="0"/>
+                        <a:t>P4</a:t>
+                      </a:r>
+                      <a:endParaRPr lang="zh-CN" altLang="en-US" dirty="0"/>
+                    </a:p>
+                  </a:txBody>
+                  <a:tcPr/>
+                </a:tc>
+              </a:tr>
+              <a:tr h="0">
+                <a:tc>
+                  <a:txBody>
+                    <a:bodyPr/>
+                    <a:lstStyle/>
+                    <a:p>
+                      <a:r>
+                        <a:rPr lang="zh-CN" altLang="en-US" sz="1400" dirty="0" smtClean="0">
+                          <a:solidFill>
+                            <a:schemeClr val="accent1"/>
+                          </a:solidFill>
+                        </a:rPr>
+                        <a:t>分布式</a:t>
+                      </a:r>
+                      <a:endParaRPr lang="zh-CN" altLang="en-US" sz="1400" dirty="0">
+                        <a:solidFill>
+                          <a:schemeClr val="accent1"/>
+                        </a:solidFill>
+                      </a:endParaRPr>
+                    </a:p>
+                  </a:txBody>
+                  <a:tcPr/>
+                </a:tc>
+                <a:tc>
+                  <a:txBody>
+                    <a:bodyPr/>
+                    <a:lstStyle/>
+                    <a:p>
+                      <a:r>
+                        <a:rPr lang="zh-CN" altLang="en-US" sz="1400" dirty="0" smtClean="0">
+                          <a:solidFill>
+                            <a:schemeClr val="accent1"/>
+                          </a:solidFill>
+                        </a:rPr>
+                        <a:t>集中式</a:t>
+                      </a:r>
+                      <a:endParaRPr lang="zh-CN" altLang="en-US" sz="1400" dirty="0">
+                        <a:solidFill>
+                          <a:schemeClr val="accent1"/>
+                        </a:solidFill>
+                      </a:endParaRPr>
+                    </a:p>
+                  </a:txBody>
+                  <a:tcPr/>
+                </a:tc>
+              </a:tr>
+              <a:tr h="0">
+                <a:tc>
+                  <a:txBody>
+                    <a:bodyPr/>
+                    <a:lstStyle/>
+                    <a:p>
+                      <a:r>
+                        <a:rPr lang="zh-CN" altLang="en-US" sz="1400" dirty="0" smtClean="0">
+                          <a:solidFill>
+                            <a:schemeClr val="accent1"/>
+                          </a:solidFill>
+                        </a:rPr>
+                        <a:t>本地操作</a:t>
+                      </a:r>
+                      <a:endParaRPr lang="zh-CN" altLang="en-US" sz="1400" dirty="0">
+                        <a:solidFill>
+                          <a:schemeClr val="accent1"/>
+                        </a:solidFill>
+                      </a:endParaRPr>
+                    </a:p>
+                  </a:txBody>
+                  <a:tcPr/>
+                </a:tc>
+                <a:tc>
+                  <a:txBody>
+                    <a:bodyPr/>
+                    <a:lstStyle/>
+                    <a:p>
+                      <a:r>
+                        <a:rPr lang="zh-CN" altLang="en-US" sz="1400" dirty="0" smtClean="0">
+                          <a:solidFill>
+                            <a:schemeClr val="accent1"/>
+                          </a:solidFill>
+                        </a:rPr>
+                        <a:t>联网工作</a:t>
+                      </a:r>
+                      <a:endParaRPr lang="zh-CN" altLang="en-US" sz="1400" dirty="0">
+                        <a:solidFill>
+                          <a:schemeClr val="accent1"/>
+                        </a:solidFill>
+                      </a:endParaRPr>
+                    </a:p>
+                  </a:txBody>
+                  <a:tcPr/>
+                </a:tc>
+              </a:tr>
+              <a:tr h="0">
+                <a:tc>
+                  <a:txBody>
+                    <a:bodyPr/>
+                    <a:lstStyle/>
+                    <a:p>
+                      <a:r>
+                        <a:rPr lang="zh-CN" altLang="en-US" sz="1400" dirty="0" smtClean="0">
+                          <a:solidFill>
+                            <a:schemeClr val="accent1"/>
+                          </a:solidFill>
+                        </a:rPr>
+                        <a:t>存储</a:t>
+                      </a:r>
+                      <a:r>
+                        <a:rPr lang="zh-CN" altLang="en-US" sz="1400" dirty="0" smtClean="0">
+                          <a:solidFill>
+                            <a:schemeClr val="accent1"/>
+                          </a:solidFill>
+                        </a:rPr>
+                        <a:t>文件内容快照</a:t>
+                      </a:r>
+                      <a:r>
+                        <a:rPr lang="zh-CN" altLang="en-US" sz="1400" dirty="0" smtClean="0">
+                          <a:solidFill>
+                            <a:schemeClr val="accent1"/>
+                          </a:solidFill>
+                        </a:rPr>
+                        <a:t>，</a:t>
+                      </a:r>
+                      <a:r>
+                        <a:rPr lang="zh-CN" altLang="en-US" sz="1400" dirty="0" smtClean="0">
+                          <a:solidFill>
+                            <a:schemeClr val="accent1"/>
+                          </a:solidFill>
+                        </a:rPr>
+                        <a:t>关心文件</a:t>
+                      </a:r>
+                      <a:r>
+                        <a:rPr lang="zh-CN" altLang="en-US" sz="1400" dirty="0" smtClean="0">
+                          <a:solidFill>
+                            <a:schemeClr val="accent1"/>
+                          </a:solidFill>
+                        </a:rPr>
+                        <a:t>整体内容</a:t>
+                      </a:r>
+                      <a:endParaRPr lang="zh-CN" altLang="en-US" sz="1400" dirty="0">
+                        <a:solidFill>
+                          <a:schemeClr val="accent1"/>
+                        </a:solidFill>
+                      </a:endParaRPr>
+                    </a:p>
+                  </a:txBody>
+                  <a:tcPr/>
+                </a:tc>
+                <a:tc>
+                  <a:txBody>
+                    <a:bodyPr/>
+                    <a:lstStyle/>
+                    <a:p>
+                      <a:r>
+                        <a:rPr lang="zh-CN" altLang="en-US" sz="1400" dirty="0" smtClean="0">
+                          <a:solidFill>
+                            <a:schemeClr val="accent1"/>
+                          </a:solidFill>
+                        </a:rPr>
+                        <a:t>管理文件差异变化</a:t>
+                      </a:r>
+                      <a:endParaRPr lang="zh-CN" altLang="en-US" sz="1400" dirty="0">
+                        <a:solidFill>
+                          <a:schemeClr val="accent1"/>
+                        </a:solidFill>
+                      </a:endParaRPr>
+                    </a:p>
+                  </a:txBody>
+                  <a:tcPr/>
+                </a:tc>
+              </a:tr>
+            </a:tbl>
+          </a:graphicData>
+        </a:graphic>
+      </p:graphicFrame>
     </p:spTree>
   </p:cSld>
   <p:clrMapOvr>
@@ -8385,7 +11272,7 @@
               <a:defRPr/>
             </a:pPr>
             <a:r>
-              <a:rPr kumimoji="0" lang="en-US" altLang="zh-CN" sz="4400" b="0" i="0" u="none" strike="noStrike" kern="1200" cap="none" spc="0" normalizeH="0" baseline="0" noProof="0" dirty="0" err="1" smtClean="0">
+              <a:rPr kumimoji="0" lang="en-US" altLang="zh-CN" sz="4400" b="0" i="0" u="none" strike="noStrike" kern="1200" cap="none" spc="0" normalizeH="0" baseline="0" noProof="0" dirty="0" smtClean="0">
                 <a:ln>
                   <a:noFill/>
                 </a:ln>
@@ -8401,26 +11288,7 @@
                 <a:ea typeface="+mj-ea"/>
                 <a:cs typeface="+mj-cs"/>
               </a:rPr>
-              <a:t>Gerrit</a:t>
-            </a:r>
-            <a:r>
-              <a:rPr kumimoji="0" lang="en-US" altLang="zh-CN" sz="4400" b="0" i="0" u="none" strike="noStrike" kern="1200" cap="none" spc="0" normalizeH="0" baseline="0" noProof="0" dirty="0" smtClean="0">
-                <a:ln>
-                  <a:noFill/>
-                </a:ln>
-                <a:solidFill>
-                  <a:schemeClr val="tx2">
-                    <a:lumMod val="75000"/>
-                  </a:schemeClr>
-                </a:solidFill>
-                <a:effectLst/>
-                <a:uLnTx/>
-                <a:uFillTx/>
-                <a:latin typeface="+mj-lt"/>
-                <a:ea typeface="+mj-ea"/>
-                <a:cs typeface="+mj-cs"/>
-              </a:rPr>
-              <a:t> &amp; repo</a:t>
+              <a:t>Gerrit &amp; repo</a:t>
             </a:r>
             <a:endParaRPr kumimoji="0" lang="zh-CN" altLang="en-US" sz="4400" b="0" i="0" u="none" strike="noStrike" kern="1200" cap="none" spc="0" normalizeH="0" baseline="0" noProof="0" dirty="0">
               <a:ln>
@@ -8482,7 +11350,7 @@
               <a:defRPr/>
             </a:pPr>
             <a:r>
-              <a:rPr kumimoji="0" lang="en-US" altLang="zh-CN" sz="1800" b="0" i="0" u="none" strike="noStrike" kern="1200" cap="none" spc="0" normalizeH="0" baseline="0" noProof="0" smtClean="0">
+              <a:rPr kumimoji="0" lang="en-US" altLang="zh-CN" sz="1800" b="0" i="0" u="none" strike="noStrike" kern="1200" cap="none" spc="0" normalizeH="0" baseline="0" noProof="0" dirty="0" smtClean="0">
                 <a:ln>
                   <a:noFill/>
                 </a:ln>
@@ -8501,7 +11369,7 @@
               </a:rPr>
               <a:t>Gerrit : a code review system for git</a:t>
             </a:r>
-            <a:endParaRPr kumimoji="0" lang="en-US" altLang="zh-CN" sz="1400" b="1" i="0" u="none" strike="noStrike" kern="1200" cap="none" spc="0" normalizeH="0" baseline="0" noProof="0" smtClean="0">
+            <a:endParaRPr kumimoji="0" lang="en-US" altLang="zh-CN" sz="1400" b="1" i="0" u="none" strike="noStrike" kern="1200" cap="none" spc="0" normalizeH="0" baseline="0" noProof="0" dirty="0" smtClean="0">
               <a:ln>
                 <a:noFill/>
               </a:ln>
@@ -8535,7 +11403,7 @@
               <a:defRPr/>
             </a:pPr>
             <a:r>
-              <a:rPr kumimoji="0" lang="en-US" altLang="zh-CN" sz="1800" b="0" i="0" u="none" strike="noStrike" kern="1200" cap="none" spc="0" normalizeH="0" baseline="0" noProof="0" smtClean="0">
+              <a:rPr kumimoji="0" lang="en-US" altLang="zh-CN" sz="1800" b="0" i="0" u="none" strike="noStrike" kern="1200" cap="none" spc="0" normalizeH="0" baseline="0" noProof="0" dirty="0" smtClean="0">
                 <a:ln>
                   <a:noFill/>
                 </a:ln>
@@ -8552,7 +11420,7 @@
                 <a:ea typeface="+mn-ea"/>
                 <a:cs typeface="+mn-cs"/>
               </a:rPr>
-              <a:t>repo: a tool to manage many git repositiory</a:t>
+              <a:t>repo: a tool to manage many git repository</a:t>
             </a:r>
           </a:p>
           <a:p>
@@ -8574,7 +11442,7 @@
               <a:defRPr/>
             </a:pPr>
             <a:r>
-              <a:rPr kumimoji="0" lang="en-US" altLang="zh-CN" sz="1800" b="0" i="0" u="none" strike="noStrike" kern="1200" cap="none" spc="0" normalizeH="0" baseline="0" noProof="0" smtClean="0">
+              <a:rPr kumimoji="0" lang="en-US" altLang="zh-CN" sz="1800" b="0" i="0" u="none" strike="noStrike" kern="1200" cap="none" spc="0" normalizeH="0" baseline="0" noProof="0" dirty="0" smtClean="0">
                 <a:ln>
                   <a:noFill/>
                 </a:ln>
@@ -8594,7 +11462,7 @@
               <a:t>Google</a:t>
             </a:r>
             <a:r>
-              <a:rPr kumimoji="0" lang="zh-CN" altLang="en-US" sz="1800" b="0" i="0" u="none" strike="noStrike" kern="1200" cap="none" spc="0" normalizeH="0" baseline="0" noProof="0" smtClean="0">
+              <a:rPr kumimoji="0" lang="zh-CN" altLang="en-US" sz="1800" b="0" i="0" u="none" strike="noStrike" kern="1200" cap="none" spc="0" normalizeH="0" baseline="0" noProof="0" dirty="0" smtClean="0">
                 <a:ln>
                   <a:noFill/>
                 </a:ln>
@@ -8614,7 +11482,7 @@
               <a:t>开发的一个</a:t>
             </a:r>
             <a:r>
-              <a:rPr kumimoji="0" lang="en-US" altLang="zh-CN" sz="1800" b="0" i="0" u="none" strike="noStrike" kern="1200" cap="none" spc="0" normalizeH="0" baseline="0" noProof="0" smtClean="0">
+              <a:rPr kumimoji="0" lang="en-US" altLang="zh-CN" sz="1800" b="0" i="0" u="none" strike="noStrike" kern="1200" cap="none" spc="0" normalizeH="0" baseline="0" noProof="0" dirty="0" smtClean="0">
                 <a:ln>
                   <a:noFill/>
                 </a:ln>
@@ -8634,7 +11502,7 @@
               <a:t>Python</a:t>
             </a:r>
             <a:r>
-              <a:rPr kumimoji="0" lang="zh-CN" altLang="en-US" sz="1800" b="0" i="0" u="none" strike="noStrike" kern="1200" cap="none" spc="0" normalizeH="0" baseline="0" noProof="0" smtClean="0">
+              <a:rPr kumimoji="0" lang="zh-CN" altLang="en-US" sz="1800" b="0" i="0" u="none" strike="noStrike" kern="1200" cap="none" spc="0" normalizeH="0" baseline="0" noProof="0" dirty="0" smtClean="0">
                 <a:ln>
                   <a:noFill/>
                 </a:ln>
@@ -8654,7 +11522,7 @@
               <a:t>写的脚本，调用</a:t>
             </a:r>
             <a:r>
-              <a:rPr kumimoji="0" lang="en-US" altLang="zh-CN" sz="1800" b="0" i="0" u="none" strike="noStrike" kern="1200" cap="none" spc="0" normalizeH="0" baseline="0" noProof="0" smtClean="0">
+              <a:rPr kumimoji="0" lang="en-US" altLang="zh-CN" sz="1800" b="0" i="0" u="none" strike="noStrike" kern="1200" cap="none" spc="0" normalizeH="0" baseline="0" noProof="0" dirty="0" smtClean="0">
                 <a:ln>
                   <a:noFill/>
                 </a:ln>
@@ -8674,7 +11542,7 @@
               <a:t>Git</a:t>
             </a:r>
             <a:r>
-              <a:rPr kumimoji="0" lang="zh-CN" altLang="en-US" sz="1800" b="0" i="0" u="none" strike="noStrike" kern="1200" cap="none" spc="0" normalizeH="0" baseline="0" noProof="0" smtClean="0">
+              <a:rPr kumimoji="0" lang="zh-CN" altLang="en-US" sz="1800" b="0" i="0" u="none" strike="noStrike" kern="1200" cap="none" spc="0" normalizeH="0" baseline="0" noProof="0" dirty="0" smtClean="0">
                 <a:ln>
                   <a:noFill/>
                 </a:ln>
@@ -8694,7 +11562,7 @@
               <a:t>，主要用来下载和管理</a:t>
             </a:r>
             <a:r>
-              <a:rPr kumimoji="0" lang="en-US" altLang="zh-CN" sz="1800" b="0" i="0" u="none" strike="noStrike" kern="1200" cap="none" spc="0" normalizeH="0" baseline="0" noProof="0" smtClean="0">
+              <a:rPr kumimoji="0" lang="en-US" altLang="zh-CN" sz="1800" b="0" i="0" u="none" strike="noStrike" kern="1200" cap="none" spc="0" normalizeH="0" baseline="0" noProof="0" dirty="0" smtClean="0">
                 <a:ln>
                   <a:noFill/>
                 </a:ln>
@@ -8714,7 +11582,7 @@
               <a:t>android</a:t>
             </a:r>
             <a:r>
-              <a:rPr kumimoji="0" lang="zh-CN" altLang="en-US" sz="1800" b="0" i="0" u="none" strike="noStrike" kern="1200" cap="none" spc="0" normalizeH="0" baseline="0" noProof="0" smtClean="0">
+              <a:rPr kumimoji="0" lang="zh-CN" altLang="en-US" sz="1800" b="0" i="0" u="none" strike="noStrike" kern="1200" cap="none" spc="0" normalizeH="0" baseline="0" noProof="0" dirty="0" smtClean="0">
                 <a:ln>
                   <a:noFill/>
                 </a:ln>
@@ -9440,7 +12308,58 @@
                   <a:schemeClr val="accent1"/>
                 </a:solidFill>
               </a:rPr>
-              <a:t>rsa1(SSH-1),dsa(SSH-2)</a:t>
+              <a:t>rsa1(SSH-1),</a:t>
+            </a:r>
+            <a:r>
+              <a:rPr lang="en-US" altLang="zh-CN" sz="1400" dirty="0" err="1" smtClean="0">
+                <a:solidFill>
+                  <a:schemeClr val="accent1"/>
+                </a:solidFill>
+              </a:rPr>
+              <a:t>dsa</a:t>
+            </a:r>
+            <a:r>
+              <a:rPr lang="en-US" altLang="zh-CN" sz="1400" dirty="0" smtClean="0">
+                <a:solidFill>
+                  <a:schemeClr val="accent1"/>
+                </a:solidFill>
+              </a:rPr>
+              <a:t>(SSH-2)</a:t>
+            </a:r>
+          </a:p>
+          <a:p>
+            <a:pPr marL="800100" lvl="1"/>
+            <a:r>
+              <a:rPr lang="en-US" altLang="zh-CN" sz="1400" b="1" dirty="0" smtClean="0">
+                <a:solidFill>
+                  <a:schemeClr val="accent2"/>
+                </a:solidFill>
+              </a:rPr>
+              <a:t>$ ssh -T </a:t>
+            </a:r>
+            <a:r>
+              <a:rPr lang="en-US" altLang="zh-CN" sz="1400" b="1" dirty="0" err="1" smtClean="0">
+                <a:solidFill>
+                  <a:schemeClr val="accent2"/>
+                </a:solidFill>
+              </a:rPr>
+              <a:t>user@server</a:t>
+            </a:r>
+            <a:r>
+              <a:rPr lang="en-US" altLang="zh-CN" sz="1400" b="1" dirty="0" smtClean="0">
+                <a:solidFill>
+                  <a:schemeClr val="accent2"/>
+                </a:solidFill>
+              </a:rPr>
+              <a:t>  </a:t>
+            </a:r>
+            <a:r>
+              <a:rPr lang="zh-CN" altLang="en-US" sz="1400" dirty="0" smtClean="0">
+                <a:solidFill>
+                  <a:schemeClr val="accent1"/>
+                </a:solidFill>
+              </a:rPr>
+              <a:t>可以验证公钥是否添加成功</a:t>
             </a:r>
             <a:endParaRPr lang="en-US" altLang="zh-CN" sz="1400" dirty="0" smtClean="0">
               <a:solidFill>
@@ -9680,29 +12599,7 @@
                   </a:schemeClr>
                 </a:solidFill>
               </a:rPr>
-              <a:t>+ </a:t>
-            </a:r>
-            <a:r>
-              <a:rPr lang="en-US" altLang="zh-CN" sz="1800" smtClean="0">
-                <a:solidFill>
-                  <a:schemeClr val="tx2">
-                    <a:lumMod val="60000"/>
-                    <a:lumOff val="40000"/>
-                  </a:schemeClr>
-                </a:solidFill>
-              </a:rPr>
-              <a:t>VCS</a:t>
-            </a:r>
-            <a:r>
-              <a:rPr lang="zh-CN" altLang="en-US" sz="1800" smtClean="0">
-                <a:solidFill>
-                  <a:schemeClr val="tx2">
-                    <a:lumMod val="60000"/>
-                    <a:lumOff val="40000"/>
-                  </a:schemeClr>
-                </a:solidFill>
-              </a:rPr>
-              <a:t>用户界面</a:t>
+              <a:t>+ VCS</a:t>
             </a:r>
             <a:r>
               <a:rPr lang="zh-CN" altLang="en-US" sz="1800" dirty="0" smtClean="0">
@@ -9713,7 +12610,7 @@
                   </a:schemeClr>
                 </a:solidFill>
               </a:rPr>
-              <a:t>。</a:t>
+              <a:t>用户界面。</a:t>
             </a:r>
             <a:endParaRPr lang="en-US" altLang="zh-CN" sz="1800" dirty="0" smtClean="0">
               <a:solidFill>
@@ -9734,7 +12631,18 @@
                   </a:schemeClr>
                 </a:solidFill>
               </a:rPr>
-              <a:t>文件快照，不关心文件具体变化。</a:t>
+              <a:t>文件内容快照</a:t>
+            </a:r>
+            <a:r>
+              <a:rPr lang="zh-CN" altLang="en-US" sz="1800" dirty="0" smtClean="0">
+                <a:solidFill>
+                  <a:schemeClr val="tx2">
+                    <a:lumMod val="60000"/>
+                    <a:lumOff val="40000"/>
+                  </a:schemeClr>
+                </a:solidFill>
+              </a:rPr>
+              <a:t>，不关心文件具体变化。</a:t>
             </a:r>
             <a:endParaRPr lang="en-US" altLang="zh-CN" sz="1800" dirty="0" smtClean="0">
               <a:solidFill>
@@ -9894,7 +12802,7 @@
                   </a:schemeClr>
                 </a:solidFill>
               </a:rPr>
-              <a:t>committed</a:t>
+              <a:t>commit</a:t>
             </a:r>
           </a:p>
           <a:p>
